--- a/assets/diagrams.pptx
+++ b/assets/diagrams.pptx
@@ -3415,7 +3415,7 @@
         </p:nvSpPr>
         <p:spPr>
           <a:xfrm>
-            <a:off x="4260273" y="2201142"/>
+            <a:off x="5839691" y="2092037"/>
             <a:ext cx="1835727" cy="2172150"/>
           </a:xfrm>
           <a:prstGeom prst="rect">
@@ -3459,8 +3459,8 @@
         </p:nvSpPr>
         <p:spPr>
           <a:xfrm>
-            <a:off x="2327564" y="2234047"/>
-            <a:ext cx="1427017" cy="2130135"/>
+            <a:off x="1745672" y="2124942"/>
+            <a:ext cx="3588328" cy="2130135"/>
           </a:xfrm>
           <a:prstGeom prst="rect">
             <a:avLst/>
@@ -3503,7 +3503,7 @@
         </p:nvSpPr>
         <p:spPr>
           <a:xfrm>
-            <a:off x="360218" y="2951019"/>
+            <a:off x="96981" y="2934904"/>
             <a:ext cx="1482437" cy="477982"/>
           </a:xfrm>
           <a:prstGeom prst="roundRect">
@@ -3550,7 +3550,7 @@
         </p:nvSpPr>
         <p:spPr>
           <a:xfrm>
-            <a:off x="2455721" y="2473038"/>
+            <a:off x="4035139" y="2363933"/>
             <a:ext cx="1104898" cy="477982"/>
           </a:xfrm>
           <a:prstGeom prst="roundRect">
@@ -3594,15 +3594,15 @@
           </p:cNvPr>
           <p:cNvCxnSpPr>
             <a:cxnSpLocks/>
-            <a:stCxn id="2" idx="3"/>
+            <a:stCxn id="70" idx="3"/>
             <a:endCxn id="3" idx="1"/>
           </p:cNvCxnSpPr>
           <p:nvPr/>
         </p:nvCxnSpPr>
         <p:spPr>
           <a:xfrm flipV="1">
-            <a:off x="1842655" y="2712029"/>
-            <a:ext cx="613066" cy="477981"/>
+            <a:off x="3628157" y="2602924"/>
+            <a:ext cx="406982" cy="570971"/>
           </a:xfrm>
           <a:prstGeom prst="straightConnector1">
             <a:avLst/>
@@ -3640,7 +3640,7 @@
         </p:nvSpPr>
         <p:spPr>
           <a:xfrm>
-            <a:off x="2466110" y="3667990"/>
+            <a:off x="4045528" y="3558885"/>
             <a:ext cx="1104899" cy="477982"/>
           </a:xfrm>
           <a:prstGeom prst="roundRect">
@@ -3684,15 +3684,15 @@
           </p:cNvPr>
           <p:cNvCxnSpPr>
             <a:cxnSpLocks/>
-            <a:stCxn id="2" idx="3"/>
+            <a:stCxn id="70" idx="3"/>
             <a:endCxn id="6" idx="1"/>
           </p:cNvCxnSpPr>
           <p:nvPr/>
         </p:nvCxnSpPr>
         <p:spPr>
           <a:xfrm>
-            <a:off x="1842655" y="3190010"/>
-            <a:ext cx="623455" cy="716971"/>
+            <a:off x="3628157" y="3173895"/>
+            <a:ext cx="417371" cy="623981"/>
           </a:xfrm>
           <a:prstGeom prst="straightConnector1">
             <a:avLst/>
@@ -3730,8 +3730,8 @@
         </p:nvSpPr>
         <p:spPr>
           <a:xfrm>
-            <a:off x="2251362" y="1652703"/>
-            <a:ext cx="1579419" cy="646331"/>
+            <a:off x="1745672" y="1478611"/>
+            <a:ext cx="3588328" cy="646331"/>
           </a:xfrm>
           <a:prstGeom prst="rect">
             <a:avLst/>
@@ -3773,7 +3773,7 @@
         </p:nvSpPr>
         <p:spPr>
           <a:xfrm>
-            <a:off x="4412672" y="2380725"/>
+            <a:off x="5992090" y="2271620"/>
             <a:ext cx="1433946" cy="477982"/>
           </a:xfrm>
           <a:prstGeom prst="roundRect">
@@ -3824,8 +3824,8 @@
         </p:nvCxnSpPr>
         <p:spPr>
           <a:xfrm flipV="1">
-            <a:off x="3754581" y="3287217"/>
-            <a:ext cx="505692" cy="11898"/>
+            <a:off x="5334000" y="3178112"/>
+            <a:ext cx="505691" cy="11898"/>
           </a:xfrm>
           <a:prstGeom prst="straightConnector1">
             <a:avLst/>
@@ -3863,7 +3863,7 @@
         </p:nvSpPr>
         <p:spPr>
           <a:xfrm>
-            <a:off x="6525492" y="3048226"/>
+            <a:off x="8104910" y="2939121"/>
             <a:ext cx="1704109" cy="477982"/>
           </a:xfrm>
           <a:prstGeom prst="roundRect">
@@ -3910,7 +3910,7 @@
         </p:nvSpPr>
         <p:spPr>
           <a:xfrm>
-            <a:off x="4412672" y="3070627"/>
+            <a:off x="5992090" y="2961522"/>
             <a:ext cx="1447801" cy="477982"/>
           </a:xfrm>
           <a:prstGeom prst="roundRect">
@@ -3957,7 +3957,7 @@
         </p:nvSpPr>
         <p:spPr>
           <a:xfrm>
-            <a:off x="4426526" y="3721676"/>
+            <a:off x="6005944" y="3612571"/>
             <a:ext cx="1447801" cy="477982"/>
           </a:xfrm>
           <a:prstGeom prst="roundRect">
@@ -4004,7 +4004,7 @@
         </p:nvSpPr>
         <p:spPr>
           <a:xfrm>
-            <a:off x="4260273" y="1828121"/>
+            <a:off x="5839691" y="1719016"/>
             <a:ext cx="1835727" cy="369332"/>
           </a:xfrm>
           <a:prstGeom prst="rect">
@@ -4040,7 +4040,7 @@
         </p:nvSpPr>
         <p:spPr>
           <a:xfrm>
-            <a:off x="4260272" y="4666834"/>
+            <a:off x="5839690" y="4557729"/>
             <a:ext cx="1835728" cy="477982"/>
           </a:xfrm>
           <a:prstGeom prst="roundRect">
@@ -4091,7 +4091,7 @@
         </p:nvCxnSpPr>
         <p:spPr>
           <a:xfrm flipV="1">
-            <a:off x="5178136" y="4373292"/>
+            <a:off x="6757554" y="4264187"/>
             <a:ext cx="1" cy="293542"/>
           </a:xfrm>
           <a:prstGeom prst="straightConnector1">
@@ -4140,7 +4140,7 @@
         </p:nvCxnSpPr>
         <p:spPr>
           <a:xfrm>
-            <a:off x="6096000" y="3287217"/>
+            <a:off x="7675418" y="3178112"/>
             <a:ext cx="429492" cy="0"/>
           </a:xfrm>
           <a:prstGeom prst="straightConnector1">
@@ -4179,7 +4179,7 @@
         </p:nvSpPr>
         <p:spPr>
           <a:xfrm>
-            <a:off x="8659093" y="3048226"/>
+            <a:off x="10238511" y="2939121"/>
             <a:ext cx="1704109" cy="477982"/>
           </a:xfrm>
           <a:prstGeom prst="roundRect">
@@ -4230,7 +4230,7 @@
         </p:nvCxnSpPr>
         <p:spPr>
           <a:xfrm>
-            <a:off x="8229601" y="3287217"/>
+            <a:off x="9809019" y="3178112"/>
             <a:ext cx="429492" cy="0"/>
           </a:xfrm>
           <a:prstGeom prst="straightConnector1">
@@ -4269,7 +4269,7 @@
         </p:nvSpPr>
         <p:spPr>
           <a:xfrm>
-            <a:off x="2327564" y="4666834"/>
+            <a:off x="2060860" y="4557729"/>
             <a:ext cx="1427017" cy="477982"/>
           </a:xfrm>
           <a:prstGeom prst="roundRect">
@@ -4314,14 +4314,14 @@
           <p:cNvCxnSpPr>
             <a:cxnSpLocks/>
             <a:stCxn id="62" idx="0"/>
-            <a:endCxn id="12" idx="2"/>
+            <a:endCxn id="70" idx="2"/>
           </p:cNvCxnSpPr>
           <p:nvPr/>
         </p:nvCxnSpPr>
         <p:spPr>
           <a:xfrm flipV="1">
-            <a:off x="3041073" y="4364182"/>
-            <a:ext cx="0" cy="302652"/>
+            <a:off x="2774369" y="3412886"/>
+            <a:ext cx="1" cy="1144843"/>
           </a:xfrm>
           <a:prstGeom prst="straightConnector1">
             <a:avLst/>
@@ -4345,6 +4345,96 @@
           </a:fillRef>
           <a:effectRef idx="0">
             <a:scrgbClr r="0" g="0" b="0"/>
+          </a:effectRef>
+          <a:fontRef idx="minor">
+            <a:schemeClr val="tx1"/>
+          </a:fontRef>
+        </p:style>
+      </p:cxnSp>
+      <p:sp>
+        <p:nvSpPr>
+          <p:cNvPr id="70" name="Rounded Rectangle 69">
+            <a:extLst>
+              <a:ext uri="{FF2B5EF4-FFF2-40B4-BE49-F238E27FC236}">
+                <a16:creationId xmlns:a16="http://schemas.microsoft.com/office/drawing/2014/main" id="{D5BBB476-D862-9630-98F3-CD1D1238A3CA}"/>
+              </a:ext>
+            </a:extLst>
+          </p:cNvPr>
+          <p:cNvSpPr/>
+          <p:nvPr/>
+        </p:nvSpPr>
+        <p:spPr>
+          <a:xfrm>
+            <a:off x="1920582" y="2934904"/>
+            <a:ext cx="1707575" cy="477982"/>
+          </a:xfrm>
+          <a:prstGeom prst="roundRect">
+            <a:avLst/>
+          </a:prstGeom>
+        </p:spPr>
+        <p:style>
+          <a:lnRef idx="1">
+            <a:schemeClr val="accent3"/>
+          </a:lnRef>
+          <a:fillRef idx="2">
+            <a:schemeClr val="accent3"/>
+          </a:fillRef>
+          <a:effectRef idx="1">
+            <a:schemeClr val="accent3"/>
+          </a:effectRef>
+          <a:fontRef idx="minor">
+            <a:schemeClr val="dk1"/>
+          </a:fontRef>
+        </p:style>
+        <p:txBody>
+          <a:bodyPr rtlCol="0" anchor="ctr"/>
+          <a:lstStyle/>
+          <a:p>
+            <a:pPr algn="ctr"/>
+            <a:r>
+              <a:rPr lang="en-BR" dirty="0"/>
+              <a:t>Data standardization</a:t>
+            </a:r>
+          </a:p>
+        </p:txBody>
+      </p:sp>
+      <p:cxnSp>
+        <p:nvCxnSpPr>
+          <p:cNvPr id="76" name="Straight Arrow Connector 75">
+            <a:extLst>
+              <a:ext uri="{FF2B5EF4-FFF2-40B4-BE49-F238E27FC236}">
+                <a16:creationId xmlns:a16="http://schemas.microsoft.com/office/drawing/2014/main" id="{32DBE37E-C979-E0E4-5FA0-41A99110D2F8}"/>
+              </a:ext>
+            </a:extLst>
+          </p:cNvPr>
+          <p:cNvCxnSpPr>
+            <a:cxnSpLocks/>
+            <a:stCxn id="2" idx="3"/>
+            <a:endCxn id="70" idx="1"/>
+          </p:cNvCxnSpPr>
+          <p:nvPr/>
+        </p:nvCxnSpPr>
+        <p:spPr>
+          <a:xfrm>
+            <a:off x="1579418" y="3173895"/>
+            <a:ext cx="341164" cy="0"/>
+          </a:xfrm>
+          <a:prstGeom prst="straightConnector1">
+            <a:avLst/>
+          </a:prstGeom>
+          <a:ln>
+            <a:tailEnd type="triangle"/>
+          </a:ln>
+        </p:spPr>
+        <p:style>
+          <a:lnRef idx="1">
+            <a:schemeClr val="dk1"/>
+          </a:lnRef>
+          <a:fillRef idx="0">
+            <a:schemeClr val="dk1"/>
+          </a:fillRef>
+          <a:effectRef idx="0">
+            <a:schemeClr val="dk1"/>
           </a:effectRef>
           <a:fontRef idx="minor">
             <a:schemeClr val="tx1"/>

--- a/assets/diagrams.pptx
+++ b/assets/diagrams.pptx
@@ -7,6 +7,8 @@
   <p:sldIdLst>
     <p:sldId id="258" r:id="rId2"/>
     <p:sldId id="257" r:id="rId3"/>
+    <p:sldId id="259" r:id="rId4"/>
+    <p:sldId id="260" r:id="rId5"/>
   </p:sldIdLst>
   <p:sldSz cx="12192000" cy="6858000"/>
   <p:notesSz cx="6858000" cy="9144000"/>
@@ -105,6 +107,11 @@
       </a:defRPr>
     </a:lvl9pPr>
   </p:defaultTextStyle>
+  <p:extLst>
+    <p:ext uri="{EFAFB233-063F-42B5-8137-9DF3F51BA10A}">
+      <p15:sldGuideLst xmlns:p15="http://schemas.microsoft.com/office/powerpoint/2012/main"/>
+    </p:ext>
+  </p:extLst>
 </p:presentation>
 </file>
 
@@ -257,7 +264,7 @@
           <a:p>
             <a:fld id="{B9DCAE00-9EC7-B94C-AB12-FE2BB94F5C60}" type="datetimeFigureOut">
               <a:rPr lang="en-BR" smtClean="0"/>
-              <a:t>28/02/23</a:t>
+              <a:t>12/03/23</a:t>
             </a:fld>
             <a:endParaRPr lang="en-BR"/>
           </a:p>
@@ -457,7 +464,7 @@
           <a:p>
             <a:fld id="{B9DCAE00-9EC7-B94C-AB12-FE2BB94F5C60}" type="datetimeFigureOut">
               <a:rPr lang="en-BR" smtClean="0"/>
-              <a:t>28/02/23</a:t>
+              <a:t>12/03/23</a:t>
             </a:fld>
             <a:endParaRPr lang="en-BR"/>
           </a:p>
@@ -667,7 +674,7 @@
           <a:p>
             <a:fld id="{B9DCAE00-9EC7-B94C-AB12-FE2BB94F5C60}" type="datetimeFigureOut">
               <a:rPr lang="en-BR" smtClean="0"/>
-              <a:t>28/02/23</a:t>
+              <a:t>12/03/23</a:t>
             </a:fld>
             <a:endParaRPr lang="en-BR"/>
           </a:p>
@@ -867,7 +874,7 @@
           <a:p>
             <a:fld id="{B9DCAE00-9EC7-B94C-AB12-FE2BB94F5C60}" type="datetimeFigureOut">
               <a:rPr lang="en-BR" smtClean="0"/>
-              <a:t>28/02/23</a:t>
+              <a:t>12/03/23</a:t>
             </a:fld>
             <a:endParaRPr lang="en-BR"/>
           </a:p>
@@ -1143,7 +1150,7 @@
           <a:p>
             <a:fld id="{B9DCAE00-9EC7-B94C-AB12-FE2BB94F5C60}" type="datetimeFigureOut">
               <a:rPr lang="en-BR" smtClean="0"/>
-              <a:t>28/02/23</a:t>
+              <a:t>12/03/23</a:t>
             </a:fld>
             <a:endParaRPr lang="en-BR"/>
           </a:p>
@@ -1411,7 +1418,7 @@
           <a:p>
             <a:fld id="{B9DCAE00-9EC7-B94C-AB12-FE2BB94F5C60}" type="datetimeFigureOut">
               <a:rPr lang="en-BR" smtClean="0"/>
-              <a:t>28/02/23</a:t>
+              <a:t>12/03/23</a:t>
             </a:fld>
             <a:endParaRPr lang="en-BR"/>
           </a:p>
@@ -1826,7 +1833,7 @@
           <a:p>
             <a:fld id="{B9DCAE00-9EC7-B94C-AB12-FE2BB94F5C60}" type="datetimeFigureOut">
               <a:rPr lang="en-BR" smtClean="0"/>
-              <a:t>28/02/23</a:t>
+              <a:t>12/03/23</a:t>
             </a:fld>
             <a:endParaRPr lang="en-BR"/>
           </a:p>
@@ -1968,7 +1975,7 @@
           <a:p>
             <a:fld id="{B9DCAE00-9EC7-B94C-AB12-FE2BB94F5C60}" type="datetimeFigureOut">
               <a:rPr lang="en-BR" smtClean="0"/>
-              <a:t>28/02/23</a:t>
+              <a:t>12/03/23</a:t>
             </a:fld>
             <a:endParaRPr lang="en-BR"/>
           </a:p>
@@ -2081,7 +2088,7 @@
           <a:p>
             <a:fld id="{B9DCAE00-9EC7-B94C-AB12-FE2BB94F5C60}" type="datetimeFigureOut">
               <a:rPr lang="en-BR" smtClean="0"/>
-              <a:t>28/02/23</a:t>
+              <a:t>12/03/23</a:t>
             </a:fld>
             <a:endParaRPr lang="en-BR"/>
           </a:p>
@@ -2394,7 +2401,7 @@
           <a:p>
             <a:fld id="{B9DCAE00-9EC7-B94C-AB12-FE2BB94F5C60}" type="datetimeFigureOut">
               <a:rPr lang="en-BR" smtClean="0"/>
-              <a:t>28/02/23</a:t>
+              <a:t>12/03/23</a:t>
             </a:fld>
             <a:endParaRPr lang="en-BR"/>
           </a:p>
@@ -2683,7 +2690,7 @@
           <a:p>
             <a:fld id="{B9DCAE00-9EC7-B94C-AB12-FE2BB94F5C60}" type="datetimeFigureOut">
               <a:rPr lang="en-BR" smtClean="0"/>
-              <a:t>28/02/23</a:t>
+              <a:t>12/03/23</a:t>
             </a:fld>
             <a:endParaRPr lang="en-BR"/>
           </a:p>
@@ -2926,7 +2933,7 @@
           <a:p>
             <a:fld id="{B9DCAE00-9EC7-B94C-AB12-FE2BB94F5C60}" type="datetimeFigureOut">
               <a:rPr lang="en-BR" smtClean="0"/>
-              <a:t>28/02/23</a:t>
+              <a:t>12/03/23</a:t>
             </a:fld>
             <a:endParaRPr lang="en-BR"/>
           </a:p>
@@ -3415,7 +3422,7 @@
         </p:nvSpPr>
         <p:spPr>
           <a:xfrm>
-            <a:off x="5839691" y="2092037"/>
+            <a:off x="5545280" y="2092037"/>
             <a:ext cx="1835727" cy="2172150"/>
           </a:xfrm>
           <a:prstGeom prst="rect">
@@ -3459,7 +3466,7 @@
         </p:nvSpPr>
         <p:spPr>
           <a:xfrm>
-            <a:off x="1745672" y="2124942"/>
+            <a:off x="1499753" y="2124942"/>
             <a:ext cx="3588328" cy="2130135"/>
           </a:xfrm>
           <a:prstGeom prst="rect">
@@ -3503,8 +3510,8 @@
         </p:nvSpPr>
         <p:spPr>
           <a:xfrm>
-            <a:off x="96981" y="2934904"/>
-            <a:ext cx="1482437" cy="477982"/>
+            <a:off x="96982" y="2934904"/>
+            <a:ext cx="1136072" cy="477982"/>
           </a:xfrm>
           <a:prstGeom prst="roundRect">
             <a:avLst/>
@@ -3550,7 +3557,7 @@
         </p:nvSpPr>
         <p:spPr>
           <a:xfrm>
-            <a:off x="4035139" y="2363933"/>
+            <a:off x="3789220" y="2363933"/>
             <a:ext cx="1104898" cy="477982"/>
           </a:xfrm>
           <a:prstGeom prst="roundRect">
@@ -3601,7 +3608,7 @@
         </p:nvCxnSpPr>
         <p:spPr>
           <a:xfrm flipV="1">
-            <a:off x="3628157" y="2602924"/>
+            <a:off x="3382238" y="2602924"/>
             <a:ext cx="406982" cy="570971"/>
           </a:xfrm>
           <a:prstGeom prst="straightConnector1">
@@ -3640,7 +3647,7 @@
         </p:nvSpPr>
         <p:spPr>
           <a:xfrm>
-            <a:off x="4045528" y="3558885"/>
+            <a:off x="3799609" y="3558885"/>
             <a:ext cx="1104899" cy="477982"/>
           </a:xfrm>
           <a:prstGeom prst="roundRect">
@@ -3691,7 +3698,7 @@
         </p:nvCxnSpPr>
         <p:spPr>
           <a:xfrm>
-            <a:off x="3628157" y="3173895"/>
+            <a:off x="3382238" y="3173895"/>
             <a:ext cx="417371" cy="623981"/>
           </a:xfrm>
           <a:prstGeom prst="straightConnector1">
@@ -3730,7 +3737,7 @@
         </p:nvSpPr>
         <p:spPr>
           <a:xfrm>
-            <a:off x="1745672" y="1478611"/>
+            <a:off x="1499753" y="1478611"/>
             <a:ext cx="3588328" cy="646331"/>
           </a:xfrm>
           <a:prstGeom prst="rect">
@@ -3773,7 +3780,7 @@
         </p:nvSpPr>
         <p:spPr>
           <a:xfrm>
-            <a:off x="5992090" y="2271620"/>
+            <a:off x="5697679" y="2271620"/>
             <a:ext cx="1433946" cy="477982"/>
           </a:xfrm>
           <a:prstGeom prst="roundRect">
@@ -3824,8 +3831,8 @@
         </p:nvCxnSpPr>
         <p:spPr>
           <a:xfrm flipV="1">
-            <a:off x="5334000" y="3178112"/>
-            <a:ext cx="505691" cy="11898"/>
+            <a:off x="5088081" y="3178112"/>
+            <a:ext cx="457199" cy="11898"/>
           </a:xfrm>
           <a:prstGeom prst="straightConnector1">
             <a:avLst/>
@@ -3863,8 +3870,8 @@
         </p:nvSpPr>
         <p:spPr>
           <a:xfrm>
-            <a:off x="8104910" y="2939121"/>
-            <a:ext cx="1704109" cy="477982"/>
+            <a:off x="7838206" y="2939121"/>
+            <a:ext cx="1011381" cy="477982"/>
           </a:xfrm>
           <a:prstGeom prst="roundRect">
             <a:avLst/>
@@ -3891,7 +3898,14 @@
             <a:pPr algn="ctr"/>
             <a:r>
               <a:rPr lang="en-BR" dirty="0"/>
-              <a:t>Models testing</a:t>
+              <a:t>Models’ </a:t>
+            </a:r>
+          </a:p>
+          <a:p>
+            <a:pPr algn="ctr"/>
+            <a:r>
+              <a:rPr lang="en-BR" dirty="0"/>
+              <a:t>testing</a:t>
             </a:r>
           </a:p>
         </p:txBody>
@@ -3910,7 +3924,7 @@
         </p:nvSpPr>
         <p:spPr>
           <a:xfrm>
-            <a:off x="5992090" y="2961522"/>
+            <a:off x="5697679" y="2961522"/>
             <a:ext cx="1447801" cy="477982"/>
           </a:xfrm>
           <a:prstGeom prst="roundRect">
@@ -3957,7 +3971,7 @@
         </p:nvSpPr>
         <p:spPr>
           <a:xfrm>
-            <a:off x="6005944" y="3612571"/>
+            <a:off x="5711533" y="3612571"/>
             <a:ext cx="1447801" cy="477982"/>
           </a:xfrm>
           <a:prstGeom prst="roundRect">
@@ -4004,7 +4018,7 @@
         </p:nvSpPr>
         <p:spPr>
           <a:xfrm>
-            <a:off x="5839691" y="1719016"/>
+            <a:off x="5545280" y="1719016"/>
             <a:ext cx="1835727" cy="369332"/>
           </a:xfrm>
           <a:prstGeom prst="rect">
@@ -4040,7 +4054,7 @@
         </p:nvSpPr>
         <p:spPr>
           <a:xfrm>
-            <a:off x="5839690" y="4557729"/>
+            <a:off x="5545279" y="4557729"/>
             <a:ext cx="1835728" cy="477982"/>
           </a:xfrm>
           <a:prstGeom prst="roundRect">
@@ -4091,7 +4105,7 @@
         </p:nvCxnSpPr>
         <p:spPr>
           <a:xfrm flipV="1">
-            <a:off x="6757554" y="4264187"/>
+            <a:off x="6463143" y="4264187"/>
             <a:ext cx="1" cy="293542"/>
           </a:xfrm>
           <a:prstGeom prst="straightConnector1">
@@ -4140,8 +4154,8 @@
         </p:nvCxnSpPr>
         <p:spPr>
           <a:xfrm>
-            <a:off x="7675418" y="3178112"/>
-            <a:ext cx="429492" cy="0"/>
+            <a:off x="7381007" y="3178112"/>
+            <a:ext cx="457199" cy="0"/>
           </a:xfrm>
           <a:prstGeom prst="straightConnector1">
             <a:avLst/>
@@ -4179,8 +4193,8 @@
         </p:nvSpPr>
         <p:spPr>
           <a:xfrm>
-            <a:off x="10238511" y="2939121"/>
-            <a:ext cx="1704109" cy="477982"/>
+            <a:off x="9272163" y="2939121"/>
+            <a:ext cx="1229591" cy="477982"/>
           </a:xfrm>
           <a:prstGeom prst="roundRect">
             <a:avLst/>
@@ -4207,7 +4221,7 @@
             <a:pPr algn="ctr"/>
             <a:r>
               <a:rPr lang="en-BR" dirty="0"/>
-              <a:t>Models Evaluation</a:t>
+              <a:t>Models’ Evaluation</a:t>
             </a:r>
           </a:p>
         </p:txBody>
@@ -4230,8 +4244,8 @@
         </p:nvCxnSpPr>
         <p:spPr>
           <a:xfrm>
-            <a:off x="9809019" y="3178112"/>
-            <a:ext cx="429492" cy="0"/>
+            <a:off x="8849587" y="3178112"/>
+            <a:ext cx="422576" cy="0"/>
           </a:xfrm>
           <a:prstGeom prst="straightConnector1">
             <a:avLst/>
@@ -4269,7 +4283,7 @@
         </p:nvSpPr>
         <p:spPr>
           <a:xfrm>
-            <a:off x="2060860" y="4557729"/>
+            <a:off x="1814941" y="4557729"/>
             <a:ext cx="1427017" cy="477982"/>
           </a:xfrm>
           <a:prstGeom prst="roundRect">
@@ -4320,7 +4334,7 @@
         </p:nvCxnSpPr>
         <p:spPr>
           <a:xfrm flipV="1">
-            <a:off x="2774369" y="3412886"/>
+            <a:off x="2528450" y="3412886"/>
             <a:ext cx="1" cy="1144843"/>
           </a:xfrm>
           <a:prstGeom prst="straightConnector1">
@@ -4365,7 +4379,7 @@
         </p:nvSpPr>
         <p:spPr>
           <a:xfrm>
-            <a:off x="1920582" y="2934904"/>
+            <a:off x="1674663" y="2934904"/>
             <a:ext cx="1707575" cy="477982"/>
           </a:xfrm>
           <a:prstGeom prst="roundRect">
@@ -4416,8 +4430,98 @@
         </p:nvCxnSpPr>
         <p:spPr>
           <a:xfrm>
-            <a:off x="1579418" y="3173895"/>
-            <a:ext cx="341164" cy="0"/>
+            <a:off x="1233054" y="3173895"/>
+            <a:ext cx="441609" cy="0"/>
+          </a:xfrm>
+          <a:prstGeom prst="straightConnector1">
+            <a:avLst/>
+          </a:prstGeom>
+          <a:ln>
+            <a:tailEnd type="triangle"/>
+          </a:ln>
+        </p:spPr>
+        <p:style>
+          <a:lnRef idx="1">
+            <a:schemeClr val="dk1"/>
+          </a:lnRef>
+          <a:fillRef idx="0">
+            <a:schemeClr val="dk1"/>
+          </a:fillRef>
+          <a:effectRef idx="0">
+            <a:schemeClr val="dk1"/>
+          </a:effectRef>
+          <a:fontRef idx="minor">
+            <a:schemeClr val="tx1"/>
+          </a:fontRef>
+        </p:style>
+      </p:cxnSp>
+      <p:sp>
+        <p:nvSpPr>
+          <p:cNvPr id="25" name="Rounded Rectangle 24">
+            <a:extLst>
+              <a:ext uri="{FF2B5EF4-FFF2-40B4-BE49-F238E27FC236}">
+                <a16:creationId xmlns:a16="http://schemas.microsoft.com/office/drawing/2014/main" id="{C7C403D0-DFD9-B7F3-A596-F7F323C28046}"/>
+              </a:ext>
+            </a:extLst>
+          </p:cNvPr>
+          <p:cNvSpPr/>
+          <p:nvPr/>
+        </p:nvSpPr>
+        <p:spPr>
+          <a:xfrm>
+            <a:off x="10924330" y="2945070"/>
+            <a:ext cx="1229592" cy="477982"/>
+          </a:xfrm>
+          <a:prstGeom prst="roundRect">
+            <a:avLst/>
+          </a:prstGeom>
+        </p:spPr>
+        <p:style>
+          <a:lnRef idx="1">
+            <a:schemeClr val="accent3"/>
+          </a:lnRef>
+          <a:fillRef idx="2">
+            <a:schemeClr val="accent3"/>
+          </a:fillRef>
+          <a:effectRef idx="1">
+            <a:schemeClr val="accent3"/>
+          </a:effectRef>
+          <a:fontRef idx="minor">
+            <a:schemeClr val="dk1"/>
+          </a:fontRef>
+        </p:style>
+        <p:txBody>
+          <a:bodyPr rtlCol="0" anchor="ctr"/>
+          <a:lstStyle/>
+          <a:p>
+            <a:pPr algn="ctr"/>
+            <a:r>
+              <a:rPr lang="en-BR" dirty="0"/>
+              <a:t>Strategy Evaluation</a:t>
+            </a:r>
+          </a:p>
+        </p:txBody>
+      </p:sp>
+      <p:cxnSp>
+        <p:nvCxnSpPr>
+          <p:cNvPr id="32" name="Straight Arrow Connector 31">
+            <a:extLst>
+              <a:ext uri="{FF2B5EF4-FFF2-40B4-BE49-F238E27FC236}">
+                <a16:creationId xmlns:a16="http://schemas.microsoft.com/office/drawing/2014/main" id="{F933065B-07AA-843D-4E33-F5EE2494F21F}"/>
+              </a:ext>
+            </a:extLst>
+          </p:cNvPr>
+          <p:cNvCxnSpPr>
+            <a:cxnSpLocks/>
+            <a:stCxn id="33" idx="3"/>
+            <a:endCxn id="25" idx="1"/>
+          </p:cNvCxnSpPr>
+          <p:nvPr/>
+        </p:nvCxnSpPr>
+        <p:spPr>
+          <a:xfrm>
+            <a:off x="10501754" y="3178112"/>
+            <a:ext cx="422576" cy="5949"/>
           </a:xfrm>
           <a:prstGeom prst="straightConnector1">
             <a:avLst/>
@@ -4445,6 +4549,1904 @@
     <p:extLst>
       <p:ext uri="{BB962C8B-B14F-4D97-AF65-F5344CB8AC3E}">
         <p14:creationId xmlns:p14="http://schemas.microsoft.com/office/powerpoint/2010/main" val="2146283952"/>
+      </p:ext>
+    </p:extLst>
+  </p:cSld>
+  <p:clrMapOvr>
+    <a:masterClrMapping/>
+  </p:clrMapOvr>
+</p:sld>
+</file>
+
+<file path=ppt/slides/slide3.xml><?xml version="1.0" encoding="utf-8"?>
+<p:sld xmlns:a="http://schemas.openxmlformats.org/drawingml/2006/main" xmlns:r="http://schemas.openxmlformats.org/officeDocument/2006/relationships" xmlns:p="http://schemas.openxmlformats.org/presentationml/2006/main">
+  <p:cSld>
+    <p:spTree>
+      <p:nvGrpSpPr>
+        <p:cNvPr id="1" name=""/>
+        <p:cNvGrpSpPr/>
+        <p:nvPr/>
+      </p:nvGrpSpPr>
+      <p:grpSpPr>
+        <a:xfrm>
+          <a:off x="0" y="0"/>
+          <a:ext cx="0" cy="0"/>
+          <a:chOff x="0" y="0"/>
+          <a:chExt cx="0" cy="0"/>
+        </a:xfrm>
+      </p:grpSpPr>
+      <p:sp>
+        <p:nvSpPr>
+          <p:cNvPr id="2" name="Title 1">
+            <a:extLst>
+              <a:ext uri="{FF2B5EF4-FFF2-40B4-BE49-F238E27FC236}">
+                <a16:creationId xmlns:a16="http://schemas.microsoft.com/office/drawing/2014/main" id="{C07FF4BD-DF3F-57E6-7EE7-B7F254E949C7}"/>
+              </a:ext>
+            </a:extLst>
+          </p:cNvPr>
+          <p:cNvSpPr>
+            <a:spLocks noGrp="1"/>
+          </p:cNvSpPr>
+          <p:nvPr>
+            <p:ph type="title"/>
+          </p:nvPr>
+        </p:nvSpPr>
+        <p:spPr/>
+        <p:txBody>
+          <a:bodyPr/>
+          <a:lstStyle/>
+          <a:p>
+            <a:r>
+              <a:rPr lang="en-BR" dirty="0"/>
+              <a:t>LSTM model diagram</a:t>
+            </a:r>
+          </a:p>
+        </p:txBody>
+      </p:sp>
+    </p:spTree>
+    <p:extLst>
+      <p:ext uri="{BB962C8B-B14F-4D97-AF65-F5344CB8AC3E}">
+        <p14:creationId xmlns:p14="http://schemas.microsoft.com/office/powerpoint/2010/main" val="4080797886"/>
+      </p:ext>
+    </p:extLst>
+  </p:cSld>
+  <p:clrMapOvr>
+    <a:masterClrMapping/>
+  </p:clrMapOvr>
+</p:sld>
+</file>
+
+<file path=ppt/slides/slide4.xml><?xml version="1.0" encoding="utf-8"?>
+<p:sld xmlns:a="http://schemas.openxmlformats.org/drawingml/2006/main" xmlns:r="http://schemas.openxmlformats.org/officeDocument/2006/relationships" xmlns:p="http://schemas.openxmlformats.org/presentationml/2006/main">
+  <p:cSld>
+    <p:spTree>
+      <p:nvGrpSpPr>
+        <p:cNvPr id="1" name=""/>
+        <p:cNvGrpSpPr/>
+        <p:nvPr/>
+      </p:nvGrpSpPr>
+      <p:grpSpPr>
+        <a:xfrm>
+          <a:off x="0" y="0"/>
+          <a:ext cx="0" cy="0"/>
+          <a:chOff x="0" y="0"/>
+          <a:chExt cx="0" cy="0"/>
+        </a:xfrm>
+      </p:grpSpPr>
+      <p:sp>
+        <p:nvSpPr>
+          <p:cNvPr id="70" name="Rounded Rectangle 69">
+            <a:extLst>
+              <a:ext uri="{FF2B5EF4-FFF2-40B4-BE49-F238E27FC236}">
+                <a16:creationId xmlns:a16="http://schemas.microsoft.com/office/drawing/2014/main" id="{D5BBB476-D862-9630-98F3-CD1D1238A3CA}"/>
+              </a:ext>
+            </a:extLst>
+          </p:cNvPr>
+          <p:cNvSpPr/>
+          <p:nvPr/>
+        </p:nvSpPr>
+        <p:spPr>
+          <a:xfrm>
+            <a:off x="4653392" y="1881959"/>
+            <a:ext cx="1528202" cy="477982"/>
+          </a:xfrm>
+          <a:prstGeom prst="roundRect">
+            <a:avLst/>
+          </a:prstGeom>
+          <a:solidFill>
+            <a:schemeClr val="bg2">
+              <a:lumMod val="90000"/>
+            </a:schemeClr>
+          </a:solidFill>
+        </p:spPr>
+        <p:style>
+          <a:lnRef idx="1">
+            <a:schemeClr val="accent3"/>
+          </a:lnRef>
+          <a:fillRef idx="2">
+            <a:schemeClr val="accent3"/>
+          </a:fillRef>
+          <a:effectRef idx="1">
+            <a:schemeClr val="accent3"/>
+          </a:effectRef>
+          <a:fontRef idx="minor">
+            <a:schemeClr val="dk1"/>
+          </a:fontRef>
+        </p:style>
+        <p:txBody>
+          <a:bodyPr rtlCol="0" anchor="ctr"/>
+          <a:lstStyle/>
+          <a:p>
+            <a:pPr algn="ctr"/>
+            <a:endParaRPr lang="en-BR" dirty="0"/>
+          </a:p>
+        </p:txBody>
+      </p:sp>
+      <mc:AlternateContent xmlns:mc="http://schemas.openxmlformats.org/markup-compatibility/2006">
+        <mc:Choice xmlns:a14="http://schemas.microsoft.com/office/drawing/2010/main" Requires="a14">
+          <p:sp>
+            <p:nvSpPr>
+              <p:cNvPr id="4" name="TextBox 3">
+                <a:extLst>
+                  <a:ext uri="{FF2B5EF4-FFF2-40B4-BE49-F238E27FC236}">
+                    <a16:creationId xmlns:a16="http://schemas.microsoft.com/office/drawing/2014/main" id="{86726B61-9E17-8D86-A746-23FC8CD1C708}"/>
+                  </a:ext>
+                </a:extLst>
+              </p:cNvPr>
+              <p:cNvSpPr txBox="1"/>
+              <p:nvPr/>
+            </p:nvSpPr>
+            <p:spPr>
+              <a:xfrm>
+                <a:off x="4731701" y="1982450"/>
+                <a:ext cx="1348831" cy="276999"/>
+              </a:xfrm>
+              <a:prstGeom prst="rect">
+                <a:avLst/>
+              </a:prstGeom>
+              <a:noFill/>
+            </p:spPr>
+            <p:txBody>
+              <a:bodyPr wrap="none" lIns="0" tIns="0" rIns="0" bIns="0" rtlCol="0">
+                <a:spAutoFit/>
+              </a:bodyPr>
+              <a:lstStyle/>
+              <a:p>
+                <a14:m>
+                  <m:oMathPara xmlns:m="http://schemas.openxmlformats.org/officeDocument/2006/math">
+                    <m:oMathParaPr>
+                      <m:jc m:val="centerGroup"/>
+                    </m:oMathParaPr>
+                    <m:oMath xmlns:m="http://schemas.openxmlformats.org/officeDocument/2006/math">
+                      <m:sSub>
+                        <m:sSubPr>
+                          <m:ctrlPr>
+                            <a:rPr lang="en-BR" i="1" smtClean="0">
+                              <a:latin typeface="Cambria Math" panose="02040503050406030204" pitchFamily="18" charset="0"/>
+                            </a:rPr>
+                          </m:ctrlPr>
+                        </m:sSubPr>
+                        <m:e>
+                          <m:r>
+                            <a:rPr lang="pt-BR" b="0" i="1" smtClean="0">
+                              <a:latin typeface="Cambria Math" panose="02040503050406030204" pitchFamily="18" charset="0"/>
+                            </a:rPr>
+                            <m:t>𝑜</m:t>
+                          </m:r>
+                        </m:e>
+                        <m:sub>
+                          <m:r>
+                            <a:rPr lang="pt-BR" b="0" i="1" smtClean="0">
+                              <a:latin typeface="Cambria Math" panose="02040503050406030204" pitchFamily="18" charset="0"/>
+                            </a:rPr>
+                            <m:t>𝑡</m:t>
+                          </m:r>
+                        </m:sub>
+                      </m:sSub>
+                      <m:r>
+                        <a:rPr lang="pt-BR" b="0" i="1" smtClean="0">
+                          <a:latin typeface="Cambria Math" panose="02040503050406030204" pitchFamily="18" charset="0"/>
+                        </a:rPr>
+                        <m:t> ∗</m:t>
+                      </m:r>
+                      <m:r>
+                        <m:rPr>
+                          <m:sty m:val="p"/>
+                        </m:rPr>
+                        <a:rPr lang="pt-BR" b="0" i="0" smtClean="0">
+                          <a:latin typeface="Cambria Math" panose="02040503050406030204" pitchFamily="18" charset="0"/>
+                        </a:rPr>
+                        <m:t>tanh</m:t>
+                      </m:r>
+                      <m:r>
+                        <a:rPr lang="pt-BR" b="0" i="1" smtClean="0">
+                          <a:latin typeface="Cambria Math" panose="02040503050406030204" pitchFamily="18" charset="0"/>
+                        </a:rPr>
+                        <m:t>⁡(</m:t>
+                      </m:r>
+                      <m:sSub>
+                        <m:sSubPr>
+                          <m:ctrlPr>
+                            <a:rPr lang="pt-BR" b="0" i="1" smtClean="0">
+                              <a:latin typeface="Cambria Math" panose="02040503050406030204" pitchFamily="18" charset="0"/>
+                            </a:rPr>
+                          </m:ctrlPr>
+                        </m:sSubPr>
+                        <m:e>
+                          <m:r>
+                            <a:rPr lang="pt-BR" b="0" i="1" smtClean="0">
+                              <a:latin typeface="Cambria Math" panose="02040503050406030204" pitchFamily="18" charset="0"/>
+                            </a:rPr>
+                            <m:t>𝑐</m:t>
+                          </m:r>
+                        </m:e>
+                        <m:sub>
+                          <m:r>
+                            <a:rPr lang="pt-BR" b="0" i="1" smtClean="0">
+                              <a:latin typeface="Cambria Math" panose="02040503050406030204" pitchFamily="18" charset="0"/>
+                            </a:rPr>
+                            <m:t>𝑡</m:t>
+                          </m:r>
+                        </m:sub>
+                      </m:sSub>
+                      <m:r>
+                        <a:rPr lang="pt-BR" b="0" i="1" smtClean="0">
+                          <a:latin typeface="Cambria Math" panose="02040503050406030204" pitchFamily="18" charset="0"/>
+                        </a:rPr>
+                        <m:t>)</m:t>
+                      </m:r>
+                    </m:oMath>
+                  </m:oMathPara>
+                </a14:m>
+                <a:endParaRPr lang="en-BR" dirty="0"/>
+              </a:p>
+            </p:txBody>
+          </p:sp>
+        </mc:Choice>
+        <mc:Fallback>
+          <p:sp>
+            <p:nvSpPr>
+              <p:cNvPr id="4" name="TextBox 3">
+                <a:extLst>
+                  <a:ext uri="{FF2B5EF4-FFF2-40B4-BE49-F238E27FC236}">
+                    <a16:creationId xmlns:a16="http://schemas.microsoft.com/office/drawing/2014/main" id="{86726B61-9E17-8D86-A746-23FC8CD1C708}"/>
+                  </a:ext>
+                </a:extLst>
+              </p:cNvPr>
+              <p:cNvSpPr txBox="1">
+                <a:spLocks noRot="1" noChangeAspect="1" noMove="1" noResize="1" noEditPoints="1" noAdjustHandles="1" noChangeArrowheads="1" noChangeShapeType="1" noTextEdit="1"/>
+              </p:cNvSpPr>
+              <p:nvPr/>
+            </p:nvSpPr>
+            <p:spPr>
+              <a:xfrm>
+                <a:off x="4731701" y="1982450"/>
+                <a:ext cx="1348831" cy="276999"/>
+              </a:xfrm>
+              <a:prstGeom prst="rect">
+                <a:avLst/>
+              </a:prstGeom>
+              <a:blipFill>
+                <a:blip r:embed="rId2"/>
+                <a:stretch>
+                  <a:fillRect l="-1869" t="-8696" r="-5607" b="-34783"/>
+                </a:stretch>
+              </a:blipFill>
+            </p:spPr>
+            <p:txBody>
+              <a:bodyPr/>
+              <a:lstStyle/>
+              <a:p>
+                <a:r>
+                  <a:rPr lang="en-BR">
+                    <a:noFill/>
+                  </a:rPr>
+                  <a:t> </a:t>
+                </a:r>
+              </a:p>
+            </p:txBody>
+          </p:sp>
+        </mc:Fallback>
+      </mc:AlternateContent>
+      <p:sp>
+        <p:nvSpPr>
+          <p:cNvPr id="8" name="Rectangle 7">
+            <a:extLst>
+              <a:ext uri="{FF2B5EF4-FFF2-40B4-BE49-F238E27FC236}">
+                <a16:creationId xmlns:a16="http://schemas.microsoft.com/office/drawing/2014/main" id="{F33ED923-D053-CB95-13A3-DFE4920A54DD}"/>
+              </a:ext>
+            </a:extLst>
+          </p:cNvPr>
+          <p:cNvSpPr/>
+          <p:nvPr/>
+        </p:nvSpPr>
+        <p:spPr>
+          <a:xfrm>
+            <a:off x="4965616" y="2854035"/>
+            <a:ext cx="881002" cy="574965"/>
+          </a:xfrm>
+          <a:prstGeom prst="rect">
+            <a:avLst/>
+          </a:prstGeom>
+        </p:spPr>
+        <p:style>
+          <a:lnRef idx="2">
+            <a:schemeClr val="accent3">
+              <a:shade val="50000"/>
+            </a:schemeClr>
+          </a:lnRef>
+          <a:fillRef idx="1">
+            <a:schemeClr val="accent3"/>
+          </a:fillRef>
+          <a:effectRef idx="0">
+            <a:schemeClr val="accent3"/>
+          </a:effectRef>
+          <a:fontRef idx="minor">
+            <a:schemeClr val="lt1"/>
+          </a:fontRef>
+        </p:style>
+        <p:txBody>
+          <a:bodyPr rtlCol="0" anchor="ctr"/>
+          <a:lstStyle/>
+          <a:p>
+            <a:pPr algn="ctr"/>
+            <a:endParaRPr lang="en-BR"/>
+          </a:p>
+        </p:txBody>
+      </p:sp>
+      <mc:AlternateContent xmlns:mc="http://schemas.openxmlformats.org/markup-compatibility/2006">
+        <mc:Choice xmlns:a14="http://schemas.microsoft.com/office/drawing/2010/main" Requires="a14">
+          <p:sp>
+            <p:nvSpPr>
+              <p:cNvPr id="30" name="TextBox 29">
+                <a:extLst>
+                  <a:ext uri="{FF2B5EF4-FFF2-40B4-BE49-F238E27FC236}">
+                    <a16:creationId xmlns:a16="http://schemas.microsoft.com/office/drawing/2014/main" id="{40DCC3D6-5DA9-A5DD-8C83-1DD2D6351164}"/>
+                  </a:ext>
+                </a:extLst>
+              </p:cNvPr>
+              <p:cNvSpPr txBox="1"/>
+              <p:nvPr/>
+            </p:nvSpPr>
+            <p:spPr>
+              <a:xfrm>
+                <a:off x="5289777" y="3006481"/>
+                <a:ext cx="240835" cy="276999"/>
+              </a:xfrm>
+              <a:prstGeom prst="rect">
+                <a:avLst/>
+              </a:prstGeom>
+              <a:noFill/>
+            </p:spPr>
+            <p:txBody>
+              <a:bodyPr wrap="none" lIns="0" tIns="0" rIns="0" bIns="0" rtlCol="0">
+                <a:spAutoFit/>
+              </a:bodyPr>
+              <a:lstStyle/>
+              <a:p>
+                <a14:m>
+                  <m:oMathPara xmlns:m="http://schemas.openxmlformats.org/officeDocument/2006/math">
+                    <m:oMathParaPr>
+                      <m:jc m:val="centerGroup"/>
+                    </m:oMathParaPr>
+                    <m:oMath xmlns:m="http://schemas.openxmlformats.org/officeDocument/2006/math">
+                      <m:sSub>
+                        <m:sSubPr>
+                          <m:ctrlPr>
+                            <a:rPr lang="pt-BR" b="0" i="1" smtClean="0">
+                              <a:latin typeface="Cambria Math" panose="02040503050406030204" pitchFamily="18" charset="0"/>
+                            </a:rPr>
+                          </m:ctrlPr>
+                        </m:sSubPr>
+                        <m:e>
+                          <m:r>
+                            <a:rPr lang="pt-BR" b="0" i="1" smtClean="0">
+                              <a:latin typeface="Cambria Math" panose="02040503050406030204" pitchFamily="18" charset="0"/>
+                            </a:rPr>
+                            <m:t>𝑐</m:t>
+                          </m:r>
+                        </m:e>
+                        <m:sub>
+                          <m:r>
+                            <a:rPr lang="pt-BR" b="0" i="1" smtClean="0">
+                              <a:latin typeface="Cambria Math" panose="02040503050406030204" pitchFamily="18" charset="0"/>
+                            </a:rPr>
+                            <m:t>𝑡</m:t>
+                          </m:r>
+                        </m:sub>
+                      </m:sSub>
+                    </m:oMath>
+                  </m:oMathPara>
+                </a14:m>
+                <a:endParaRPr lang="en-BR" dirty="0"/>
+              </a:p>
+            </p:txBody>
+          </p:sp>
+        </mc:Choice>
+        <mc:Fallback>
+          <p:sp>
+            <p:nvSpPr>
+              <p:cNvPr id="30" name="TextBox 29">
+                <a:extLst>
+                  <a:ext uri="{FF2B5EF4-FFF2-40B4-BE49-F238E27FC236}">
+                    <a16:creationId xmlns:a16="http://schemas.microsoft.com/office/drawing/2014/main" id="{40DCC3D6-5DA9-A5DD-8C83-1DD2D6351164}"/>
+                  </a:ext>
+                </a:extLst>
+              </p:cNvPr>
+              <p:cNvSpPr txBox="1">
+                <a:spLocks noRot="1" noChangeAspect="1" noMove="1" noResize="1" noEditPoints="1" noAdjustHandles="1" noChangeArrowheads="1" noChangeShapeType="1" noTextEdit="1"/>
+              </p:cNvSpPr>
+              <p:nvPr/>
+            </p:nvSpPr>
+            <p:spPr>
+              <a:xfrm>
+                <a:off x="5289777" y="3006481"/>
+                <a:ext cx="240835" cy="276999"/>
+              </a:xfrm>
+              <a:prstGeom prst="rect">
+                <a:avLst/>
+              </a:prstGeom>
+              <a:blipFill>
+                <a:blip r:embed="rId3"/>
+                <a:stretch>
+                  <a:fillRect l="-15000" r="-5000" b="-13043"/>
+                </a:stretch>
+              </a:blipFill>
+            </p:spPr>
+            <p:txBody>
+              <a:bodyPr/>
+              <a:lstStyle/>
+              <a:p>
+                <a:r>
+                  <a:rPr lang="en-BR">
+                    <a:noFill/>
+                  </a:rPr>
+                  <a:t> </a:t>
+                </a:r>
+              </a:p>
+            </p:txBody>
+          </p:sp>
+        </mc:Fallback>
+      </mc:AlternateContent>
+      <p:sp>
+        <p:nvSpPr>
+          <p:cNvPr id="31" name="Rounded Rectangle 30">
+            <a:extLst>
+              <a:ext uri="{FF2B5EF4-FFF2-40B4-BE49-F238E27FC236}">
+                <a16:creationId xmlns:a16="http://schemas.microsoft.com/office/drawing/2014/main" id="{A8A0304F-1EFE-C551-CC4C-AA4B654FCC5B}"/>
+              </a:ext>
+            </a:extLst>
+          </p:cNvPr>
+          <p:cNvSpPr/>
+          <p:nvPr/>
+        </p:nvSpPr>
+        <p:spPr>
+          <a:xfrm>
+            <a:off x="6634592" y="2860412"/>
+            <a:ext cx="1220936" cy="477982"/>
+          </a:xfrm>
+          <a:prstGeom prst="roundRect">
+            <a:avLst/>
+          </a:prstGeom>
+          <a:solidFill>
+            <a:schemeClr val="bg2">
+              <a:lumMod val="90000"/>
+            </a:schemeClr>
+          </a:solidFill>
+        </p:spPr>
+        <p:style>
+          <a:lnRef idx="1">
+            <a:schemeClr val="accent3"/>
+          </a:lnRef>
+          <a:fillRef idx="2">
+            <a:schemeClr val="accent3"/>
+          </a:fillRef>
+          <a:effectRef idx="1">
+            <a:schemeClr val="accent3"/>
+          </a:effectRef>
+          <a:fontRef idx="minor">
+            <a:schemeClr val="dk1"/>
+          </a:fontRef>
+        </p:style>
+        <p:txBody>
+          <a:bodyPr rtlCol="0" anchor="ctr"/>
+          <a:lstStyle/>
+          <a:p>
+            <a:pPr algn="ctr"/>
+            <a:endParaRPr lang="en-BR" dirty="0"/>
+          </a:p>
+        </p:txBody>
+      </p:sp>
+      <mc:AlternateContent xmlns:mc="http://schemas.openxmlformats.org/markup-compatibility/2006">
+        <mc:Choice xmlns:a14="http://schemas.microsoft.com/office/drawing/2010/main" Requires="a14">
+          <p:sp>
+            <p:nvSpPr>
+              <p:cNvPr id="34" name="TextBox 33">
+                <a:extLst>
+                  <a:ext uri="{FF2B5EF4-FFF2-40B4-BE49-F238E27FC236}">
+                    <a16:creationId xmlns:a16="http://schemas.microsoft.com/office/drawing/2014/main" id="{A753F3B5-9E29-65C2-D4FE-0C065AFECD1C}"/>
+                  </a:ext>
+                </a:extLst>
+              </p:cNvPr>
+              <p:cNvSpPr txBox="1"/>
+              <p:nvPr/>
+            </p:nvSpPr>
+            <p:spPr>
+              <a:xfrm>
+                <a:off x="6813962" y="2960903"/>
+                <a:ext cx="904927" cy="276999"/>
+              </a:xfrm>
+              <a:prstGeom prst="rect">
+                <a:avLst/>
+              </a:prstGeom>
+              <a:noFill/>
+            </p:spPr>
+            <p:txBody>
+              <a:bodyPr wrap="none" lIns="0" tIns="0" rIns="0" bIns="0" rtlCol="0">
+                <a:spAutoFit/>
+              </a:bodyPr>
+              <a:lstStyle/>
+              <a:p>
+                <a14:m>
+                  <m:oMathPara xmlns:m="http://schemas.openxmlformats.org/officeDocument/2006/math">
+                    <m:oMathParaPr>
+                      <m:jc m:val="centerGroup"/>
+                    </m:oMathParaPr>
+                    <m:oMath xmlns:m="http://schemas.openxmlformats.org/officeDocument/2006/math">
+                      <m:sSub>
+                        <m:sSubPr>
+                          <m:ctrlPr>
+                            <a:rPr lang="en-BR" i="1" smtClean="0">
+                              <a:latin typeface="Cambria Math" panose="02040503050406030204" pitchFamily="18" charset="0"/>
+                            </a:rPr>
+                          </m:ctrlPr>
+                        </m:sSubPr>
+                        <m:e>
+                          <m:r>
+                            <a:rPr lang="pt-BR" b="0" i="1" smtClean="0">
+                              <a:latin typeface="Cambria Math" panose="02040503050406030204" pitchFamily="18" charset="0"/>
+                            </a:rPr>
+                            <m:t>𝑓</m:t>
+                          </m:r>
+                        </m:e>
+                        <m:sub>
+                          <m:r>
+                            <a:rPr lang="pt-BR" b="0" i="1" smtClean="0">
+                              <a:latin typeface="Cambria Math" panose="02040503050406030204" pitchFamily="18" charset="0"/>
+                            </a:rPr>
+                            <m:t>𝑡</m:t>
+                          </m:r>
+                        </m:sub>
+                      </m:sSub>
+                      <m:r>
+                        <a:rPr lang="pt-BR" b="0" i="1" smtClean="0">
+                          <a:latin typeface="Cambria Math" panose="02040503050406030204" pitchFamily="18" charset="0"/>
+                        </a:rPr>
+                        <m:t> ∗</m:t>
+                      </m:r>
+                      <m:sSub>
+                        <m:sSubPr>
+                          <m:ctrlPr>
+                            <a:rPr lang="pt-BR" b="0" i="1" smtClean="0">
+                              <a:latin typeface="Cambria Math" panose="02040503050406030204" pitchFamily="18" charset="0"/>
+                            </a:rPr>
+                          </m:ctrlPr>
+                        </m:sSubPr>
+                        <m:e>
+                          <m:r>
+                            <a:rPr lang="pt-BR" b="0" i="1" smtClean="0">
+                              <a:latin typeface="Cambria Math" panose="02040503050406030204" pitchFamily="18" charset="0"/>
+                            </a:rPr>
+                            <m:t>𝑐</m:t>
+                          </m:r>
+                        </m:e>
+                        <m:sub>
+                          <m:r>
+                            <a:rPr lang="pt-BR" b="0" i="1" smtClean="0">
+                              <a:latin typeface="Cambria Math" panose="02040503050406030204" pitchFamily="18" charset="0"/>
+                            </a:rPr>
+                            <m:t>𝑡</m:t>
+                          </m:r>
+                          <m:r>
+                            <a:rPr lang="pt-BR" b="0" i="1" smtClean="0">
+                              <a:latin typeface="Cambria Math" panose="02040503050406030204" pitchFamily="18" charset="0"/>
+                            </a:rPr>
+                            <m:t>−1</m:t>
+                          </m:r>
+                        </m:sub>
+                      </m:sSub>
+                    </m:oMath>
+                  </m:oMathPara>
+                </a14:m>
+                <a:endParaRPr lang="en-BR" dirty="0"/>
+              </a:p>
+            </p:txBody>
+          </p:sp>
+        </mc:Choice>
+        <mc:Fallback>
+          <p:sp>
+            <p:nvSpPr>
+              <p:cNvPr id="34" name="TextBox 33">
+                <a:extLst>
+                  <a:ext uri="{FF2B5EF4-FFF2-40B4-BE49-F238E27FC236}">
+                    <a16:creationId xmlns:a16="http://schemas.microsoft.com/office/drawing/2014/main" id="{A753F3B5-9E29-65C2-D4FE-0C065AFECD1C}"/>
+                  </a:ext>
+                </a:extLst>
+              </p:cNvPr>
+              <p:cNvSpPr txBox="1">
+                <a:spLocks noRot="1" noChangeAspect="1" noMove="1" noResize="1" noEditPoints="1" noAdjustHandles="1" noChangeArrowheads="1" noChangeShapeType="1" noTextEdit="1"/>
+              </p:cNvSpPr>
+              <p:nvPr/>
+            </p:nvSpPr>
+            <p:spPr>
+              <a:xfrm>
+                <a:off x="6813962" y="2960903"/>
+                <a:ext cx="904927" cy="276999"/>
+              </a:xfrm>
+              <a:prstGeom prst="rect">
+                <a:avLst/>
+              </a:prstGeom>
+              <a:blipFill>
+                <a:blip r:embed="rId4"/>
+                <a:stretch>
+                  <a:fillRect l="-8333" t="-9091" r="-1389" b="-40909"/>
+                </a:stretch>
+              </a:blipFill>
+            </p:spPr>
+            <p:txBody>
+              <a:bodyPr/>
+              <a:lstStyle/>
+              <a:p>
+                <a:r>
+                  <a:rPr lang="en-BR">
+                    <a:noFill/>
+                  </a:rPr>
+                  <a:t> </a:t>
+                </a:r>
+              </a:p>
+            </p:txBody>
+          </p:sp>
+        </mc:Fallback>
+      </mc:AlternateContent>
+      <p:sp>
+        <p:nvSpPr>
+          <p:cNvPr id="36" name="Rounded Rectangle 35">
+            <a:extLst>
+              <a:ext uri="{FF2B5EF4-FFF2-40B4-BE49-F238E27FC236}">
+                <a16:creationId xmlns:a16="http://schemas.microsoft.com/office/drawing/2014/main" id="{08B667E8-C3E2-7B13-76CA-243798463454}"/>
+              </a:ext>
+            </a:extLst>
+          </p:cNvPr>
+          <p:cNvSpPr/>
+          <p:nvPr/>
+        </p:nvSpPr>
+        <p:spPr>
+          <a:xfrm>
+            <a:off x="4899188" y="3870587"/>
+            <a:ext cx="1013856" cy="477982"/>
+          </a:xfrm>
+          <a:prstGeom prst="roundRect">
+            <a:avLst/>
+          </a:prstGeom>
+          <a:solidFill>
+            <a:schemeClr val="bg2">
+              <a:lumMod val="90000"/>
+            </a:schemeClr>
+          </a:solidFill>
+        </p:spPr>
+        <p:style>
+          <a:lnRef idx="1">
+            <a:schemeClr val="accent3"/>
+          </a:lnRef>
+          <a:fillRef idx="2">
+            <a:schemeClr val="accent3"/>
+          </a:fillRef>
+          <a:effectRef idx="1">
+            <a:schemeClr val="accent3"/>
+          </a:effectRef>
+          <a:fontRef idx="minor">
+            <a:schemeClr val="dk1"/>
+          </a:fontRef>
+        </p:style>
+        <p:txBody>
+          <a:bodyPr rtlCol="0" anchor="ctr"/>
+          <a:lstStyle/>
+          <a:p>
+            <a:pPr algn="ctr"/>
+            <a:endParaRPr lang="en-BR" dirty="0"/>
+          </a:p>
+        </p:txBody>
+      </p:sp>
+      <mc:AlternateContent xmlns:mc="http://schemas.openxmlformats.org/markup-compatibility/2006">
+        <mc:Choice xmlns:a14="http://schemas.microsoft.com/office/drawing/2010/main" Requires="a14">
+          <p:sp>
+            <p:nvSpPr>
+              <p:cNvPr id="37" name="TextBox 36">
+                <a:extLst>
+                  <a:ext uri="{FF2B5EF4-FFF2-40B4-BE49-F238E27FC236}">
+                    <a16:creationId xmlns:a16="http://schemas.microsoft.com/office/drawing/2014/main" id="{8712204B-6295-99C2-AAD3-298F995D3F07}"/>
+                  </a:ext>
+                </a:extLst>
+              </p:cNvPr>
+              <p:cNvSpPr txBox="1"/>
+              <p:nvPr/>
+            </p:nvSpPr>
+            <p:spPr>
+              <a:xfrm>
+                <a:off x="5091435" y="3971078"/>
+                <a:ext cx="668452" cy="276999"/>
+              </a:xfrm>
+              <a:prstGeom prst="rect">
+                <a:avLst/>
+              </a:prstGeom>
+              <a:noFill/>
+            </p:spPr>
+            <p:txBody>
+              <a:bodyPr wrap="none" lIns="0" tIns="0" rIns="0" bIns="0" rtlCol="0">
+                <a:spAutoFit/>
+              </a:bodyPr>
+              <a:lstStyle/>
+              <a:p>
+                <a14:m>
+                  <m:oMathPara xmlns:m="http://schemas.openxmlformats.org/officeDocument/2006/math">
+                    <m:oMathParaPr>
+                      <m:jc m:val="centerGroup"/>
+                    </m:oMathParaPr>
+                    <m:oMath xmlns:m="http://schemas.openxmlformats.org/officeDocument/2006/math">
+                      <m:sSub>
+                        <m:sSubPr>
+                          <m:ctrlPr>
+                            <a:rPr lang="en-BR" i="1" smtClean="0">
+                              <a:latin typeface="Cambria Math" panose="02040503050406030204" pitchFamily="18" charset="0"/>
+                            </a:rPr>
+                          </m:ctrlPr>
+                        </m:sSubPr>
+                        <m:e>
+                          <m:r>
+                            <a:rPr lang="pt-BR" b="0" i="1" smtClean="0">
+                              <a:latin typeface="Cambria Math" panose="02040503050406030204" pitchFamily="18" charset="0"/>
+                            </a:rPr>
+                            <m:t>𝑖</m:t>
+                          </m:r>
+                        </m:e>
+                        <m:sub>
+                          <m:r>
+                            <a:rPr lang="pt-BR" b="0" i="1" smtClean="0">
+                              <a:latin typeface="Cambria Math" panose="02040503050406030204" pitchFamily="18" charset="0"/>
+                            </a:rPr>
+                            <m:t>𝑡</m:t>
+                          </m:r>
+                        </m:sub>
+                      </m:sSub>
+                      <m:r>
+                        <a:rPr lang="pt-BR" b="0" i="1" smtClean="0">
+                          <a:latin typeface="Cambria Math" panose="02040503050406030204" pitchFamily="18" charset="0"/>
+                        </a:rPr>
+                        <m:t> ∗</m:t>
+                      </m:r>
+                      <m:sSub>
+                        <m:sSubPr>
+                          <m:ctrlPr>
+                            <a:rPr lang="pt-BR" b="0" i="1" smtClean="0">
+                              <a:latin typeface="Cambria Math" panose="02040503050406030204" pitchFamily="18" charset="0"/>
+                            </a:rPr>
+                          </m:ctrlPr>
+                        </m:sSubPr>
+                        <m:e>
+                          <m:acc>
+                            <m:accPr>
+                              <m:chr m:val="̃"/>
+                              <m:ctrlPr>
+                                <a:rPr lang="pt-BR" b="0" i="1" smtClean="0">
+                                  <a:latin typeface="Cambria Math" panose="02040503050406030204" pitchFamily="18" charset="0"/>
+                                </a:rPr>
+                              </m:ctrlPr>
+                            </m:accPr>
+                            <m:e>
+                              <m:r>
+                                <a:rPr lang="pt-BR" b="0" i="1" smtClean="0">
+                                  <a:latin typeface="Cambria Math" panose="02040503050406030204" pitchFamily="18" charset="0"/>
+                                </a:rPr>
+                                <m:t>𝑐</m:t>
+                              </m:r>
+                            </m:e>
+                          </m:acc>
+                        </m:e>
+                        <m:sub>
+                          <m:r>
+                            <a:rPr lang="pt-BR" b="0" i="1" smtClean="0">
+                              <a:latin typeface="Cambria Math" panose="02040503050406030204" pitchFamily="18" charset="0"/>
+                            </a:rPr>
+                            <m:t>𝑡</m:t>
+                          </m:r>
+                        </m:sub>
+                      </m:sSub>
+                    </m:oMath>
+                  </m:oMathPara>
+                </a14:m>
+                <a:endParaRPr lang="en-BR" dirty="0"/>
+              </a:p>
+            </p:txBody>
+          </p:sp>
+        </mc:Choice>
+        <mc:Fallback>
+          <p:sp>
+            <p:nvSpPr>
+              <p:cNvPr id="37" name="TextBox 36">
+                <a:extLst>
+                  <a:ext uri="{FF2B5EF4-FFF2-40B4-BE49-F238E27FC236}">
+                    <a16:creationId xmlns:a16="http://schemas.microsoft.com/office/drawing/2014/main" id="{8712204B-6295-99C2-AAD3-298F995D3F07}"/>
+                  </a:ext>
+                </a:extLst>
+              </p:cNvPr>
+              <p:cNvSpPr txBox="1">
+                <a:spLocks noRot="1" noChangeAspect="1" noMove="1" noResize="1" noEditPoints="1" noAdjustHandles="1" noChangeArrowheads="1" noChangeShapeType="1" noTextEdit="1"/>
+              </p:cNvSpPr>
+              <p:nvPr/>
+            </p:nvSpPr>
+            <p:spPr>
+              <a:xfrm>
+                <a:off x="5091435" y="3971078"/>
+                <a:ext cx="668452" cy="276999"/>
+              </a:xfrm>
+              <a:prstGeom prst="rect">
+                <a:avLst/>
+              </a:prstGeom>
+              <a:blipFill>
+                <a:blip r:embed="rId5"/>
+                <a:stretch>
+                  <a:fillRect l="-7407" t="-4348" r="-1852" b="-34783"/>
+                </a:stretch>
+              </a:blipFill>
+            </p:spPr>
+            <p:txBody>
+              <a:bodyPr/>
+              <a:lstStyle/>
+              <a:p>
+                <a:r>
+                  <a:rPr lang="en-BR">
+                    <a:noFill/>
+                  </a:rPr>
+                  <a:t> </a:t>
+                </a:r>
+              </a:p>
+            </p:txBody>
+          </p:sp>
+        </mc:Fallback>
+      </mc:AlternateContent>
+      <mc:AlternateContent xmlns:mc="http://schemas.openxmlformats.org/markup-compatibility/2006">
+        <mc:Choice xmlns:a14="http://schemas.microsoft.com/office/drawing/2010/main" Requires="a14">
+          <p:sp>
+            <p:nvSpPr>
+              <p:cNvPr id="9" name="Oval 8">
+                <a:extLst>
+                  <a:ext uri="{FF2B5EF4-FFF2-40B4-BE49-F238E27FC236}">
+                    <a16:creationId xmlns:a16="http://schemas.microsoft.com/office/drawing/2014/main" id="{1E22D3FF-48AA-5D41-8CB1-6958D3EAA5CB}"/>
+                  </a:ext>
+                </a:extLst>
+              </p:cNvPr>
+              <p:cNvSpPr/>
+              <p:nvPr/>
+            </p:nvSpPr>
+            <p:spPr>
+              <a:xfrm>
+                <a:off x="3838069" y="1881959"/>
+                <a:ext cx="526473" cy="477982"/>
+              </a:xfrm>
+              <a:prstGeom prst="ellipse">
+                <a:avLst/>
+              </a:prstGeom>
+            </p:spPr>
+            <p:style>
+              <a:lnRef idx="0">
+                <a:schemeClr val="accent3"/>
+              </a:lnRef>
+              <a:fillRef idx="3">
+                <a:schemeClr val="accent3"/>
+              </a:fillRef>
+              <a:effectRef idx="3">
+                <a:schemeClr val="accent3"/>
+              </a:effectRef>
+              <a:fontRef idx="minor">
+                <a:schemeClr val="lt1"/>
+              </a:fontRef>
+            </p:style>
+            <p:txBody>
+              <a:bodyPr rtlCol="0" anchor="ctr"/>
+              <a:lstStyle/>
+              <a:p>
+                <a:pPr algn="ctr"/>
+                <a14:m>
+                  <m:oMathPara xmlns:m="http://schemas.openxmlformats.org/officeDocument/2006/math">
+                    <m:oMathParaPr>
+                      <m:jc m:val="centerGroup"/>
+                    </m:oMathParaPr>
+                    <m:oMath xmlns:m="http://schemas.openxmlformats.org/officeDocument/2006/math">
+                      <m:sSub>
+                        <m:sSubPr>
+                          <m:ctrlPr>
+                            <a:rPr lang="en-BR" i="1" smtClean="0">
+                              <a:latin typeface="Cambria Math" panose="02040503050406030204" pitchFamily="18" charset="0"/>
+                            </a:rPr>
+                          </m:ctrlPr>
+                        </m:sSubPr>
+                        <m:e>
+                          <m:r>
+                            <a:rPr lang="pt-BR" b="0" i="1" smtClean="0">
+                              <a:latin typeface="Cambria Math" panose="02040503050406030204" pitchFamily="18" charset="0"/>
+                            </a:rPr>
+                            <m:t>𝑜</m:t>
+                          </m:r>
+                        </m:e>
+                        <m:sub>
+                          <m:r>
+                            <a:rPr lang="pt-BR" b="0" i="1" smtClean="0">
+                              <a:latin typeface="Cambria Math" panose="02040503050406030204" pitchFamily="18" charset="0"/>
+                            </a:rPr>
+                            <m:t>𝑡</m:t>
+                          </m:r>
+                        </m:sub>
+                      </m:sSub>
+                    </m:oMath>
+                  </m:oMathPara>
+                </a14:m>
+                <a:endParaRPr lang="en-BR" dirty="0"/>
+              </a:p>
+            </p:txBody>
+          </p:sp>
+        </mc:Choice>
+        <mc:Fallback>
+          <p:sp>
+            <p:nvSpPr>
+              <p:cNvPr id="9" name="Oval 8">
+                <a:extLst>
+                  <a:ext uri="{FF2B5EF4-FFF2-40B4-BE49-F238E27FC236}">
+                    <a16:creationId xmlns:a16="http://schemas.microsoft.com/office/drawing/2014/main" id="{1E22D3FF-48AA-5D41-8CB1-6958D3EAA5CB}"/>
+                  </a:ext>
+                </a:extLst>
+              </p:cNvPr>
+              <p:cNvSpPr>
+                <a:spLocks noRot="1" noChangeAspect="1" noMove="1" noResize="1" noEditPoints="1" noAdjustHandles="1" noChangeArrowheads="1" noChangeShapeType="1" noTextEdit="1"/>
+              </p:cNvSpPr>
+              <p:nvPr/>
+            </p:nvSpPr>
+            <p:spPr>
+              <a:xfrm>
+                <a:off x="3838069" y="1881959"/>
+                <a:ext cx="526473" cy="477982"/>
+              </a:xfrm>
+              <a:prstGeom prst="ellipse">
+                <a:avLst/>
+              </a:prstGeom>
+              <a:blipFill>
+                <a:blip r:embed="rId6"/>
+                <a:stretch>
+                  <a:fillRect/>
+                </a:stretch>
+              </a:blipFill>
+            </p:spPr>
+            <p:txBody>
+              <a:bodyPr/>
+              <a:lstStyle/>
+              <a:p>
+                <a:r>
+                  <a:rPr lang="en-BR">
+                    <a:noFill/>
+                  </a:rPr>
+                  <a:t> </a:t>
+                </a:r>
+              </a:p>
+            </p:txBody>
+          </p:sp>
+        </mc:Fallback>
+      </mc:AlternateContent>
+      <mc:AlternateContent xmlns:mc="http://schemas.openxmlformats.org/markup-compatibility/2006">
+        <mc:Choice xmlns:a14="http://schemas.microsoft.com/office/drawing/2010/main" Requires="a14">
+          <p:sp>
+            <p:nvSpPr>
+              <p:cNvPr id="38" name="Oval 37">
+                <a:extLst>
+                  <a:ext uri="{FF2B5EF4-FFF2-40B4-BE49-F238E27FC236}">
+                    <a16:creationId xmlns:a16="http://schemas.microsoft.com/office/drawing/2014/main" id="{1F2B5646-0E54-3BA4-2D65-ACD13206FBC2}"/>
+                  </a:ext>
+                </a:extLst>
+              </p:cNvPr>
+              <p:cNvSpPr/>
+              <p:nvPr/>
+            </p:nvSpPr>
+            <p:spPr>
+              <a:xfrm>
+                <a:off x="5162424" y="1006863"/>
+                <a:ext cx="526473" cy="477982"/>
+              </a:xfrm>
+              <a:prstGeom prst="ellipse">
+                <a:avLst/>
+              </a:prstGeom>
+            </p:spPr>
+            <p:style>
+              <a:lnRef idx="0">
+                <a:schemeClr val="accent3"/>
+              </a:lnRef>
+              <a:fillRef idx="3">
+                <a:schemeClr val="accent3"/>
+              </a:fillRef>
+              <a:effectRef idx="3">
+                <a:schemeClr val="accent3"/>
+              </a:effectRef>
+              <a:fontRef idx="minor">
+                <a:schemeClr val="lt1"/>
+              </a:fontRef>
+            </p:style>
+            <p:txBody>
+              <a:bodyPr rtlCol="0" anchor="ctr"/>
+              <a:lstStyle/>
+              <a:p>
+                <a:pPr algn="ctr"/>
+                <a14:m>
+                  <m:oMathPara xmlns:m="http://schemas.openxmlformats.org/officeDocument/2006/math">
+                    <m:oMathParaPr>
+                      <m:jc m:val="centerGroup"/>
+                    </m:oMathParaPr>
+                    <m:oMath xmlns:m="http://schemas.openxmlformats.org/officeDocument/2006/math">
+                      <m:sSub>
+                        <m:sSubPr>
+                          <m:ctrlPr>
+                            <a:rPr lang="en-BR" i="1" smtClean="0">
+                              <a:latin typeface="Cambria Math" panose="02040503050406030204" pitchFamily="18" charset="0"/>
+                            </a:rPr>
+                          </m:ctrlPr>
+                        </m:sSubPr>
+                        <m:e>
+                          <m:r>
+                            <a:rPr lang="pt-BR" b="0" i="1" smtClean="0">
+                              <a:latin typeface="Cambria Math" panose="02040503050406030204" pitchFamily="18" charset="0"/>
+                            </a:rPr>
+                            <m:t>h</m:t>
+                          </m:r>
+                        </m:e>
+                        <m:sub>
+                          <m:r>
+                            <a:rPr lang="pt-BR" b="0" i="1" smtClean="0">
+                              <a:latin typeface="Cambria Math" panose="02040503050406030204" pitchFamily="18" charset="0"/>
+                            </a:rPr>
+                            <m:t>𝑡</m:t>
+                          </m:r>
+                        </m:sub>
+                      </m:sSub>
+                    </m:oMath>
+                  </m:oMathPara>
+                </a14:m>
+                <a:endParaRPr lang="en-BR" dirty="0"/>
+              </a:p>
+            </p:txBody>
+          </p:sp>
+        </mc:Choice>
+        <mc:Fallback>
+          <p:sp>
+            <p:nvSpPr>
+              <p:cNvPr id="38" name="Oval 37">
+                <a:extLst>
+                  <a:ext uri="{FF2B5EF4-FFF2-40B4-BE49-F238E27FC236}">
+                    <a16:creationId xmlns:a16="http://schemas.microsoft.com/office/drawing/2014/main" id="{1F2B5646-0E54-3BA4-2D65-ACD13206FBC2}"/>
+                  </a:ext>
+                </a:extLst>
+              </p:cNvPr>
+              <p:cNvSpPr>
+                <a:spLocks noRot="1" noChangeAspect="1" noMove="1" noResize="1" noEditPoints="1" noAdjustHandles="1" noChangeArrowheads="1" noChangeShapeType="1" noTextEdit="1"/>
+              </p:cNvSpPr>
+              <p:nvPr/>
+            </p:nvSpPr>
+            <p:spPr>
+              <a:xfrm>
+                <a:off x="5162424" y="1006863"/>
+                <a:ext cx="526473" cy="477982"/>
+              </a:xfrm>
+              <a:prstGeom prst="ellipse">
+                <a:avLst/>
+              </a:prstGeom>
+              <a:blipFill>
+                <a:blip r:embed="rId7"/>
+                <a:stretch>
+                  <a:fillRect/>
+                </a:stretch>
+              </a:blipFill>
+            </p:spPr>
+            <p:txBody>
+              <a:bodyPr/>
+              <a:lstStyle/>
+              <a:p>
+                <a:r>
+                  <a:rPr lang="en-BR">
+                    <a:noFill/>
+                  </a:rPr>
+                  <a:t> </a:t>
+                </a:r>
+              </a:p>
+            </p:txBody>
+          </p:sp>
+        </mc:Fallback>
+      </mc:AlternateContent>
+      <mc:AlternateContent xmlns:mc="http://schemas.openxmlformats.org/markup-compatibility/2006">
+        <mc:Choice xmlns:a14="http://schemas.microsoft.com/office/drawing/2010/main" Requires="a14">
+          <p:sp>
+            <p:nvSpPr>
+              <p:cNvPr id="39" name="Oval 38">
+                <a:extLst>
+                  <a:ext uri="{FF2B5EF4-FFF2-40B4-BE49-F238E27FC236}">
+                    <a16:creationId xmlns:a16="http://schemas.microsoft.com/office/drawing/2014/main" id="{5E1C09F8-32AD-1852-EE17-E350BD72067B}"/>
+                  </a:ext>
+                </a:extLst>
+              </p:cNvPr>
+              <p:cNvSpPr/>
+              <p:nvPr/>
+            </p:nvSpPr>
+            <p:spPr>
+              <a:xfrm>
+                <a:off x="3838325" y="3874050"/>
+                <a:ext cx="526473" cy="477982"/>
+              </a:xfrm>
+              <a:prstGeom prst="ellipse">
+                <a:avLst/>
+              </a:prstGeom>
+            </p:spPr>
+            <p:style>
+              <a:lnRef idx="0">
+                <a:schemeClr val="accent3"/>
+              </a:lnRef>
+              <a:fillRef idx="3">
+                <a:schemeClr val="accent3"/>
+              </a:fillRef>
+              <a:effectRef idx="3">
+                <a:schemeClr val="accent3"/>
+              </a:effectRef>
+              <a:fontRef idx="minor">
+                <a:schemeClr val="lt1"/>
+              </a:fontRef>
+            </p:style>
+            <p:txBody>
+              <a:bodyPr rtlCol="0" anchor="ctr"/>
+              <a:lstStyle/>
+              <a:p>
+                <a:pPr algn="ctr"/>
+                <a14:m>
+                  <m:oMathPara xmlns:m="http://schemas.openxmlformats.org/officeDocument/2006/math">
+                    <m:oMathParaPr>
+                      <m:jc m:val="centerGroup"/>
+                    </m:oMathParaPr>
+                    <m:oMath xmlns:m="http://schemas.openxmlformats.org/officeDocument/2006/math">
+                      <m:sSub>
+                        <m:sSubPr>
+                          <m:ctrlPr>
+                            <a:rPr lang="en-BR" i="1" smtClean="0">
+                              <a:latin typeface="Cambria Math" panose="02040503050406030204" pitchFamily="18" charset="0"/>
+                            </a:rPr>
+                          </m:ctrlPr>
+                        </m:sSubPr>
+                        <m:e>
+                          <m:r>
+                            <a:rPr lang="pt-BR" b="0" i="1" smtClean="0">
+                              <a:latin typeface="Cambria Math" panose="02040503050406030204" pitchFamily="18" charset="0"/>
+                            </a:rPr>
+                            <m:t>𝑖</m:t>
+                          </m:r>
+                        </m:e>
+                        <m:sub>
+                          <m:r>
+                            <a:rPr lang="pt-BR" b="0" i="1" smtClean="0">
+                              <a:latin typeface="Cambria Math" panose="02040503050406030204" pitchFamily="18" charset="0"/>
+                            </a:rPr>
+                            <m:t>𝑡</m:t>
+                          </m:r>
+                        </m:sub>
+                      </m:sSub>
+                    </m:oMath>
+                  </m:oMathPara>
+                </a14:m>
+                <a:endParaRPr lang="en-BR" dirty="0"/>
+              </a:p>
+            </p:txBody>
+          </p:sp>
+        </mc:Choice>
+        <mc:Fallback>
+          <p:sp>
+            <p:nvSpPr>
+              <p:cNvPr id="39" name="Oval 38">
+                <a:extLst>
+                  <a:ext uri="{FF2B5EF4-FFF2-40B4-BE49-F238E27FC236}">
+                    <a16:creationId xmlns:a16="http://schemas.microsoft.com/office/drawing/2014/main" id="{5E1C09F8-32AD-1852-EE17-E350BD72067B}"/>
+                  </a:ext>
+                </a:extLst>
+              </p:cNvPr>
+              <p:cNvSpPr>
+                <a:spLocks noRot="1" noChangeAspect="1" noMove="1" noResize="1" noEditPoints="1" noAdjustHandles="1" noChangeArrowheads="1" noChangeShapeType="1" noTextEdit="1"/>
+              </p:cNvSpPr>
+              <p:nvPr/>
+            </p:nvSpPr>
+            <p:spPr>
+              <a:xfrm>
+                <a:off x="3838325" y="3874050"/>
+                <a:ext cx="526473" cy="477982"/>
+              </a:xfrm>
+              <a:prstGeom prst="ellipse">
+                <a:avLst/>
+              </a:prstGeom>
+              <a:blipFill>
+                <a:blip r:embed="rId8"/>
+                <a:stretch>
+                  <a:fillRect/>
+                </a:stretch>
+              </a:blipFill>
+            </p:spPr>
+            <p:txBody>
+              <a:bodyPr/>
+              <a:lstStyle/>
+              <a:p>
+                <a:r>
+                  <a:rPr lang="en-BR">
+                    <a:noFill/>
+                  </a:rPr>
+                  <a:t> </a:t>
+                </a:r>
+              </a:p>
+            </p:txBody>
+          </p:sp>
+        </mc:Fallback>
+      </mc:AlternateContent>
+      <mc:AlternateContent xmlns:mc="http://schemas.openxmlformats.org/markup-compatibility/2006">
+        <mc:Choice xmlns:a14="http://schemas.microsoft.com/office/drawing/2010/main" Requires="a14">
+          <p:sp>
+            <p:nvSpPr>
+              <p:cNvPr id="40" name="Oval 39">
+                <a:extLst>
+                  <a:ext uri="{FF2B5EF4-FFF2-40B4-BE49-F238E27FC236}">
+                    <a16:creationId xmlns:a16="http://schemas.microsoft.com/office/drawing/2014/main" id="{05BB4381-8FBE-2F2F-D1E6-180C73E2F0D3}"/>
+                  </a:ext>
+                </a:extLst>
+              </p:cNvPr>
+              <p:cNvSpPr/>
+              <p:nvPr/>
+            </p:nvSpPr>
+            <p:spPr>
+              <a:xfrm>
+                <a:off x="6981823" y="3649793"/>
+                <a:ext cx="526473" cy="477982"/>
+              </a:xfrm>
+              <a:prstGeom prst="ellipse">
+                <a:avLst/>
+              </a:prstGeom>
+            </p:spPr>
+            <p:style>
+              <a:lnRef idx="0">
+                <a:schemeClr val="accent3"/>
+              </a:lnRef>
+              <a:fillRef idx="3">
+                <a:schemeClr val="accent3"/>
+              </a:fillRef>
+              <a:effectRef idx="3">
+                <a:schemeClr val="accent3"/>
+              </a:effectRef>
+              <a:fontRef idx="minor">
+                <a:schemeClr val="lt1"/>
+              </a:fontRef>
+            </p:style>
+            <p:txBody>
+              <a:bodyPr rtlCol="0" anchor="ctr"/>
+              <a:lstStyle/>
+              <a:p>
+                <a:pPr algn="ctr"/>
+                <a14:m>
+                  <m:oMathPara xmlns:m="http://schemas.openxmlformats.org/officeDocument/2006/math">
+                    <m:oMathParaPr>
+                      <m:jc m:val="centerGroup"/>
+                    </m:oMathParaPr>
+                    <m:oMath xmlns:m="http://schemas.openxmlformats.org/officeDocument/2006/math">
+                      <m:sSub>
+                        <m:sSubPr>
+                          <m:ctrlPr>
+                            <a:rPr lang="en-BR" i="1" smtClean="0">
+                              <a:latin typeface="Cambria Math" panose="02040503050406030204" pitchFamily="18" charset="0"/>
+                            </a:rPr>
+                          </m:ctrlPr>
+                        </m:sSubPr>
+                        <m:e>
+                          <m:r>
+                            <a:rPr lang="pt-BR" b="0" i="1" smtClean="0">
+                              <a:latin typeface="Cambria Math" panose="02040503050406030204" pitchFamily="18" charset="0"/>
+                            </a:rPr>
+                            <m:t>𝑓</m:t>
+                          </m:r>
+                        </m:e>
+                        <m:sub>
+                          <m:r>
+                            <a:rPr lang="pt-BR" b="0" i="1" smtClean="0">
+                              <a:latin typeface="Cambria Math" panose="02040503050406030204" pitchFamily="18" charset="0"/>
+                            </a:rPr>
+                            <m:t>𝑡</m:t>
+                          </m:r>
+                        </m:sub>
+                      </m:sSub>
+                    </m:oMath>
+                  </m:oMathPara>
+                </a14:m>
+                <a:endParaRPr lang="en-BR" dirty="0"/>
+              </a:p>
+            </p:txBody>
+          </p:sp>
+        </mc:Choice>
+        <mc:Fallback>
+          <p:sp>
+            <p:nvSpPr>
+              <p:cNvPr id="40" name="Oval 39">
+                <a:extLst>
+                  <a:ext uri="{FF2B5EF4-FFF2-40B4-BE49-F238E27FC236}">
+                    <a16:creationId xmlns:a16="http://schemas.microsoft.com/office/drawing/2014/main" id="{05BB4381-8FBE-2F2F-D1E6-180C73E2F0D3}"/>
+                  </a:ext>
+                </a:extLst>
+              </p:cNvPr>
+              <p:cNvSpPr>
+                <a:spLocks noRot="1" noChangeAspect="1" noMove="1" noResize="1" noEditPoints="1" noAdjustHandles="1" noChangeArrowheads="1" noChangeShapeType="1" noTextEdit="1"/>
+              </p:cNvSpPr>
+              <p:nvPr/>
+            </p:nvSpPr>
+            <p:spPr>
+              <a:xfrm>
+                <a:off x="6981823" y="3649793"/>
+                <a:ext cx="526473" cy="477982"/>
+              </a:xfrm>
+              <a:prstGeom prst="ellipse">
+                <a:avLst/>
+              </a:prstGeom>
+              <a:blipFill>
+                <a:blip r:embed="rId9"/>
+                <a:stretch>
+                  <a:fillRect/>
+                </a:stretch>
+              </a:blipFill>
+            </p:spPr>
+            <p:txBody>
+              <a:bodyPr/>
+              <a:lstStyle/>
+              <a:p>
+                <a:r>
+                  <a:rPr lang="en-BR">
+                    <a:noFill/>
+                  </a:rPr>
+                  <a:t> </a:t>
+                </a:r>
+              </a:p>
+            </p:txBody>
+          </p:sp>
+        </mc:Fallback>
+      </mc:AlternateContent>
+      <mc:AlternateContent xmlns:mc="http://schemas.openxmlformats.org/markup-compatibility/2006">
+        <mc:Choice xmlns:a14="http://schemas.microsoft.com/office/drawing/2010/main" Requires="a14">
+          <p:sp>
+            <p:nvSpPr>
+              <p:cNvPr id="41" name="Oval 40">
+                <a:extLst>
+                  <a:ext uri="{FF2B5EF4-FFF2-40B4-BE49-F238E27FC236}">
+                    <a16:creationId xmlns:a16="http://schemas.microsoft.com/office/drawing/2014/main" id="{FD454954-78C5-A4B8-8F8F-1D2B0FC154C4}"/>
+                  </a:ext>
+                </a:extLst>
+              </p:cNvPr>
+              <p:cNvSpPr/>
+              <p:nvPr/>
+            </p:nvSpPr>
+            <p:spPr>
+              <a:xfrm>
+                <a:off x="5162424" y="4790156"/>
+                <a:ext cx="526473" cy="477982"/>
+              </a:xfrm>
+              <a:prstGeom prst="ellipse">
+                <a:avLst/>
+              </a:prstGeom>
+            </p:spPr>
+            <p:style>
+              <a:lnRef idx="0">
+                <a:schemeClr val="accent3"/>
+              </a:lnRef>
+              <a:fillRef idx="3">
+                <a:schemeClr val="accent3"/>
+              </a:fillRef>
+              <a:effectRef idx="3">
+                <a:schemeClr val="accent3"/>
+              </a:effectRef>
+              <a:fontRef idx="minor">
+                <a:schemeClr val="lt1"/>
+              </a:fontRef>
+            </p:style>
+            <p:txBody>
+              <a:bodyPr rtlCol="0" anchor="ctr"/>
+              <a:lstStyle/>
+              <a:p>
+                <a:pPr algn="ctr"/>
+                <a14:m>
+                  <m:oMathPara xmlns:m="http://schemas.openxmlformats.org/officeDocument/2006/math">
+                    <m:oMathParaPr>
+                      <m:jc m:val="centerGroup"/>
+                    </m:oMathParaPr>
+                    <m:oMath xmlns:m="http://schemas.openxmlformats.org/officeDocument/2006/math">
+                      <m:sSub>
+                        <m:sSubPr>
+                          <m:ctrlPr>
+                            <a:rPr lang="pt-BR" i="1">
+                              <a:latin typeface="Cambria Math" panose="02040503050406030204" pitchFamily="18" charset="0"/>
+                            </a:rPr>
+                          </m:ctrlPr>
+                        </m:sSubPr>
+                        <m:e>
+                          <m:acc>
+                            <m:accPr>
+                              <m:chr m:val="̃"/>
+                              <m:ctrlPr>
+                                <a:rPr lang="pt-BR" i="1">
+                                  <a:latin typeface="Cambria Math" panose="02040503050406030204" pitchFamily="18" charset="0"/>
+                                </a:rPr>
+                              </m:ctrlPr>
+                            </m:accPr>
+                            <m:e>
+                              <m:r>
+                                <a:rPr lang="pt-BR" i="1">
+                                  <a:latin typeface="Cambria Math" panose="02040503050406030204" pitchFamily="18" charset="0"/>
+                                </a:rPr>
+                                <m:t>𝑐</m:t>
+                              </m:r>
+                            </m:e>
+                          </m:acc>
+                        </m:e>
+                        <m:sub>
+                          <m:r>
+                            <a:rPr lang="pt-BR" i="1">
+                              <a:latin typeface="Cambria Math" panose="02040503050406030204" pitchFamily="18" charset="0"/>
+                            </a:rPr>
+                            <m:t>𝑡</m:t>
+                          </m:r>
+                        </m:sub>
+                      </m:sSub>
+                    </m:oMath>
+                  </m:oMathPara>
+                </a14:m>
+                <a:endParaRPr lang="en-BR" dirty="0"/>
+              </a:p>
+            </p:txBody>
+          </p:sp>
+        </mc:Choice>
+        <mc:Fallback>
+          <p:sp>
+            <p:nvSpPr>
+              <p:cNvPr id="41" name="Oval 40">
+                <a:extLst>
+                  <a:ext uri="{FF2B5EF4-FFF2-40B4-BE49-F238E27FC236}">
+                    <a16:creationId xmlns:a16="http://schemas.microsoft.com/office/drawing/2014/main" id="{FD454954-78C5-A4B8-8F8F-1D2B0FC154C4}"/>
+                  </a:ext>
+                </a:extLst>
+              </p:cNvPr>
+              <p:cNvSpPr>
+                <a:spLocks noRot="1" noChangeAspect="1" noMove="1" noResize="1" noEditPoints="1" noAdjustHandles="1" noChangeArrowheads="1" noChangeShapeType="1" noTextEdit="1"/>
+              </p:cNvSpPr>
+              <p:nvPr/>
+            </p:nvSpPr>
+            <p:spPr>
+              <a:xfrm>
+                <a:off x="5162424" y="4790156"/>
+                <a:ext cx="526473" cy="477982"/>
+              </a:xfrm>
+              <a:prstGeom prst="ellipse">
+                <a:avLst/>
+              </a:prstGeom>
+              <a:blipFill>
+                <a:blip r:embed="rId10"/>
+                <a:stretch>
+                  <a:fillRect/>
+                </a:stretch>
+              </a:blipFill>
+            </p:spPr>
+            <p:txBody>
+              <a:bodyPr/>
+              <a:lstStyle/>
+              <a:p>
+                <a:r>
+                  <a:rPr lang="en-BR">
+                    <a:noFill/>
+                  </a:rPr>
+                  <a:t> </a:t>
+                </a:r>
+              </a:p>
+            </p:txBody>
+          </p:sp>
+        </mc:Fallback>
+      </mc:AlternateContent>
+      <p:cxnSp>
+        <p:nvCxnSpPr>
+          <p:cNvPr id="11" name="Straight Arrow Connector 10">
+            <a:extLst>
+              <a:ext uri="{FF2B5EF4-FFF2-40B4-BE49-F238E27FC236}">
+                <a16:creationId xmlns:a16="http://schemas.microsoft.com/office/drawing/2014/main" id="{A1C625F0-25DB-014B-C205-34B201554C4D}"/>
+              </a:ext>
+            </a:extLst>
+          </p:cNvPr>
+          <p:cNvCxnSpPr>
+            <a:cxnSpLocks/>
+            <a:stCxn id="9" idx="6"/>
+            <a:endCxn id="70" idx="1"/>
+          </p:cNvCxnSpPr>
+          <p:nvPr/>
+        </p:nvCxnSpPr>
+        <p:spPr>
+          <a:xfrm>
+            <a:off x="4364542" y="2120950"/>
+            <a:ext cx="288850" cy="0"/>
+          </a:xfrm>
+          <a:prstGeom prst="straightConnector1">
+            <a:avLst/>
+          </a:prstGeom>
+          <a:ln>
+            <a:tailEnd type="triangle"/>
+          </a:ln>
+        </p:spPr>
+        <p:style>
+          <a:lnRef idx="1">
+            <a:schemeClr val="accent3"/>
+          </a:lnRef>
+          <a:fillRef idx="0">
+            <a:schemeClr val="accent3"/>
+          </a:fillRef>
+          <a:effectRef idx="0">
+            <a:schemeClr val="accent3"/>
+          </a:effectRef>
+          <a:fontRef idx="minor">
+            <a:schemeClr val="tx1"/>
+          </a:fontRef>
+        </p:style>
+      </p:cxnSp>
+      <p:cxnSp>
+        <p:nvCxnSpPr>
+          <p:cNvPr id="42" name="Straight Arrow Connector 41">
+            <a:extLst>
+              <a:ext uri="{FF2B5EF4-FFF2-40B4-BE49-F238E27FC236}">
+                <a16:creationId xmlns:a16="http://schemas.microsoft.com/office/drawing/2014/main" id="{64FDB8C4-5C4E-6D4F-E5C9-34919E362BD7}"/>
+              </a:ext>
+            </a:extLst>
+          </p:cNvPr>
+          <p:cNvCxnSpPr>
+            <a:cxnSpLocks/>
+            <a:stCxn id="70" idx="0"/>
+            <a:endCxn id="38" idx="4"/>
+          </p:cNvCxnSpPr>
+          <p:nvPr/>
+        </p:nvCxnSpPr>
+        <p:spPr>
+          <a:xfrm flipV="1">
+            <a:off x="5417493" y="1484845"/>
+            <a:ext cx="8168" cy="397114"/>
+          </a:xfrm>
+          <a:prstGeom prst="straightConnector1">
+            <a:avLst/>
+          </a:prstGeom>
+          <a:ln>
+            <a:tailEnd type="triangle"/>
+          </a:ln>
+        </p:spPr>
+        <p:style>
+          <a:lnRef idx="1">
+            <a:schemeClr val="accent3"/>
+          </a:lnRef>
+          <a:fillRef idx="0">
+            <a:schemeClr val="accent3"/>
+          </a:fillRef>
+          <a:effectRef idx="0">
+            <a:schemeClr val="accent3"/>
+          </a:effectRef>
+          <a:fontRef idx="minor">
+            <a:schemeClr val="tx1"/>
+          </a:fontRef>
+        </p:style>
+      </p:cxnSp>
+      <p:cxnSp>
+        <p:nvCxnSpPr>
+          <p:cNvPr id="44" name="Straight Arrow Connector 43">
+            <a:extLst>
+              <a:ext uri="{FF2B5EF4-FFF2-40B4-BE49-F238E27FC236}">
+                <a16:creationId xmlns:a16="http://schemas.microsoft.com/office/drawing/2014/main" id="{0DADD8F2-1C8F-55A9-4B4E-D6BD6BED99CD}"/>
+              </a:ext>
+            </a:extLst>
+          </p:cNvPr>
+          <p:cNvCxnSpPr>
+            <a:cxnSpLocks/>
+            <a:stCxn id="8" idx="0"/>
+            <a:endCxn id="70" idx="2"/>
+          </p:cNvCxnSpPr>
+          <p:nvPr/>
+        </p:nvCxnSpPr>
+        <p:spPr>
+          <a:xfrm flipV="1">
+            <a:off x="5406117" y="2359941"/>
+            <a:ext cx="11376" cy="494094"/>
+          </a:xfrm>
+          <a:prstGeom prst="straightConnector1">
+            <a:avLst/>
+          </a:prstGeom>
+          <a:ln>
+            <a:tailEnd type="triangle"/>
+          </a:ln>
+        </p:spPr>
+        <p:style>
+          <a:lnRef idx="1">
+            <a:schemeClr val="accent3"/>
+          </a:lnRef>
+          <a:fillRef idx="0">
+            <a:schemeClr val="accent3"/>
+          </a:fillRef>
+          <a:effectRef idx="0">
+            <a:schemeClr val="accent3"/>
+          </a:effectRef>
+          <a:fontRef idx="minor">
+            <a:schemeClr val="tx1"/>
+          </a:fontRef>
+        </p:style>
+      </p:cxnSp>
+      <p:cxnSp>
+        <p:nvCxnSpPr>
+          <p:cNvPr id="49" name="Straight Arrow Connector 48">
+            <a:extLst>
+              <a:ext uri="{FF2B5EF4-FFF2-40B4-BE49-F238E27FC236}">
+                <a16:creationId xmlns:a16="http://schemas.microsoft.com/office/drawing/2014/main" id="{7620B849-E361-AFF1-F701-9E9B2E4BC6C7}"/>
+              </a:ext>
+            </a:extLst>
+          </p:cNvPr>
+          <p:cNvCxnSpPr>
+            <a:cxnSpLocks/>
+            <a:stCxn id="31" idx="1"/>
+            <a:endCxn id="8" idx="3"/>
+          </p:cNvCxnSpPr>
+          <p:nvPr/>
+        </p:nvCxnSpPr>
+        <p:spPr>
+          <a:xfrm flipH="1">
+            <a:off x="5846618" y="3099403"/>
+            <a:ext cx="787974" cy="42115"/>
+          </a:xfrm>
+          <a:prstGeom prst="straightConnector1">
+            <a:avLst/>
+          </a:prstGeom>
+          <a:ln>
+            <a:tailEnd type="triangle"/>
+          </a:ln>
+        </p:spPr>
+        <p:style>
+          <a:lnRef idx="1">
+            <a:schemeClr val="accent3"/>
+          </a:lnRef>
+          <a:fillRef idx="0">
+            <a:schemeClr val="accent3"/>
+          </a:fillRef>
+          <a:effectRef idx="0">
+            <a:schemeClr val="accent3"/>
+          </a:effectRef>
+          <a:fontRef idx="minor">
+            <a:schemeClr val="tx1"/>
+          </a:fontRef>
+        </p:style>
+      </p:cxnSp>
+      <p:cxnSp>
+        <p:nvCxnSpPr>
+          <p:cNvPr id="52" name="Straight Arrow Connector 51">
+            <a:extLst>
+              <a:ext uri="{FF2B5EF4-FFF2-40B4-BE49-F238E27FC236}">
+                <a16:creationId xmlns:a16="http://schemas.microsoft.com/office/drawing/2014/main" id="{B6B5A377-8E84-8207-A878-82EA86E3189B}"/>
+              </a:ext>
+            </a:extLst>
+          </p:cNvPr>
+          <p:cNvCxnSpPr>
+            <a:cxnSpLocks/>
+            <a:stCxn id="8" idx="3"/>
+            <a:endCxn id="31" idx="1"/>
+          </p:cNvCxnSpPr>
+          <p:nvPr/>
+        </p:nvCxnSpPr>
+        <p:spPr>
+          <a:xfrm flipV="1">
+            <a:off x="5846618" y="3099403"/>
+            <a:ext cx="787974" cy="42115"/>
+          </a:xfrm>
+          <a:prstGeom prst="straightConnector1">
+            <a:avLst/>
+          </a:prstGeom>
+          <a:ln>
+            <a:tailEnd type="triangle"/>
+          </a:ln>
+        </p:spPr>
+        <p:style>
+          <a:lnRef idx="1">
+            <a:schemeClr val="accent3"/>
+          </a:lnRef>
+          <a:fillRef idx="0">
+            <a:schemeClr val="accent3"/>
+          </a:fillRef>
+          <a:effectRef idx="0">
+            <a:schemeClr val="accent3"/>
+          </a:effectRef>
+          <a:fontRef idx="minor">
+            <a:schemeClr val="tx1"/>
+          </a:fontRef>
+        </p:style>
+      </p:cxnSp>
+      <p:cxnSp>
+        <p:nvCxnSpPr>
+          <p:cNvPr id="55" name="Straight Arrow Connector 54">
+            <a:extLst>
+              <a:ext uri="{FF2B5EF4-FFF2-40B4-BE49-F238E27FC236}">
+                <a16:creationId xmlns:a16="http://schemas.microsoft.com/office/drawing/2014/main" id="{1087FA96-BD5D-A826-D308-C26D88A68C1D}"/>
+              </a:ext>
+            </a:extLst>
+          </p:cNvPr>
+          <p:cNvCxnSpPr>
+            <a:cxnSpLocks/>
+            <a:stCxn id="40" idx="0"/>
+            <a:endCxn id="31" idx="2"/>
+          </p:cNvCxnSpPr>
+          <p:nvPr/>
+        </p:nvCxnSpPr>
+        <p:spPr>
+          <a:xfrm flipV="1">
+            <a:off x="7245060" y="3338394"/>
+            <a:ext cx="0" cy="311399"/>
+          </a:xfrm>
+          <a:prstGeom prst="straightConnector1">
+            <a:avLst/>
+          </a:prstGeom>
+          <a:ln>
+            <a:tailEnd type="triangle"/>
+          </a:ln>
+        </p:spPr>
+        <p:style>
+          <a:lnRef idx="1">
+            <a:schemeClr val="accent3"/>
+          </a:lnRef>
+          <a:fillRef idx="0">
+            <a:schemeClr val="accent3"/>
+          </a:fillRef>
+          <a:effectRef idx="0">
+            <a:schemeClr val="accent3"/>
+          </a:effectRef>
+          <a:fontRef idx="minor">
+            <a:schemeClr val="tx1"/>
+          </a:fontRef>
+        </p:style>
+      </p:cxnSp>
+      <p:cxnSp>
+        <p:nvCxnSpPr>
+          <p:cNvPr id="58" name="Straight Arrow Connector 57">
+            <a:extLst>
+              <a:ext uri="{FF2B5EF4-FFF2-40B4-BE49-F238E27FC236}">
+                <a16:creationId xmlns:a16="http://schemas.microsoft.com/office/drawing/2014/main" id="{C5E54B47-9315-C547-33E5-9CCBB659C8FC}"/>
+              </a:ext>
+            </a:extLst>
+          </p:cNvPr>
+          <p:cNvCxnSpPr>
+            <a:cxnSpLocks/>
+            <a:stCxn id="36" idx="0"/>
+            <a:endCxn id="8" idx="2"/>
+          </p:cNvCxnSpPr>
+          <p:nvPr/>
+        </p:nvCxnSpPr>
+        <p:spPr>
+          <a:xfrm flipV="1">
+            <a:off x="5406116" y="3429000"/>
+            <a:ext cx="1" cy="441587"/>
+          </a:xfrm>
+          <a:prstGeom prst="straightConnector1">
+            <a:avLst/>
+          </a:prstGeom>
+          <a:ln>
+            <a:tailEnd type="triangle"/>
+          </a:ln>
+        </p:spPr>
+        <p:style>
+          <a:lnRef idx="1">
+            <a:schemeClr val="accent3"/>
+          </a:lnRef>
+          <a:fillRef idx="0">
+            <a:schemeClr val="accent3"/>
+          </a:fillRef>
+          <a:effectRef idx="0">
+            <a:schemeClr val="accent3"/>
+          </a:effectRef>
+          <a:fontRef idx="minor">
+            <a:schemeClr val="tx1"/>
+          </a:fontRef>
+        </p:style>
+      </p:cxnSp>
+      <p:cxnSp>
+        <p:nvCxnSpPr>
+          <p:cNvPr id="61" name="Straight Arrow Connector 60">
+            <a:extLst>
+              <a:ext uri="{FF2B5EF4-FFF2-40B4-BE49-F238E27FC236}">
+                <a16:creationId xmlns:a16="http://schemas.microsoft.com/office/drawing/2014/main" id="{DCE120BC-E062-AAF6-32A3-48D2A2CA6B1E}"/>
+              </a:ext>
+            </a:extLst>
+          </p:cNvPr>
+          <p:cNvCxnSpPr>
+            <a:cxnSpLocks/>
+            <a:stCxn id="39" idx="6"/>
+            <a:endCxn id="36" idx="1"/>
+          </p:cNvCxnSpPr>
+          <p:nvPr/>
+        </p:nvCxnSpPr>
+        <p:spPr>
+          <a:xfrm flipV="1">
+            <a:off x="4364798" y="4109578"/>
+            <a:ext cx="534390" cy="3463"/>
+          </a:xfrm>
+          <a:prstGeom prst="straightConnector1">
+            <a:avLst/>
+          </a:prstGeom>
+          <a:ln>
+            <a:tailEnd type="triangle"/>
+          </a:ln>
+        </p:spPr>
+        <p:style>
+          <a:lnRef idx="1">
+            <a:schemeClr val="accent3"/>
+          </a:lnRef>
+          <a:fillRef idx="0">
+            <a:schemeClr val="accent3"/>
+          </a:fillRef>
+          <a:effectRef idx="0">
+            <a:schemeClr val="accent3"/>
+          </a:effectRef>
+          <a:fontRef idx="minor">
+            <a:schemeClr val="tx1"/>
+          </a:fontRef>
+        </p:style>
+      </p:cxnSp>
+      <p:cxnSp>
+        <p:nvCxnSpPr>
+          <p:cNvPr id="64" name="Straight Arrow Connector 63">
+            <a:extLst>
+              <a:ext uri="{FF2B5EF4-FFF2-40B4-BE49-F238E27FC236}">
+                <a16:creationId xmlns:a16="http://schemas.microsoft.com/office/drawing/2014/main" id="{7CFB9E75-798D-F686-F5F7-4BED1EF4135D}"/>
+              </a:ext>
+            </a:extLst>
+          </p:cNvPr>
+          <p:cNvCxnSpPr>
+            <a:cxnSpLocks/>
+            <a:stCxn id="41" idx="0"/>
+            <a:endCxn id="36" idx="2"/>
+          </p:cNvCxnSpPr>
+          <p:nvPr/>
+        </p:nvCxnSpPr>
+        <p:spPr>
+          <a:xfrm flipH="1" flipV="1">
+            <a:off x="5406116" y="4348569"/>
+            <a:ext cx="19545" cy="441587"/>
+          </a:xfrm>
+          <a:prstGeom prst="straightConnector1">
+            <a:avLst/>
+          </a:prstGeom>
+          <a:ln>
+            <a:tailEnd type="triangle"/>
+          </a:ln>
+        </p:spPr>
+        <p:style>
+          <a:lnRef idx="1">
+            <a:schemeClr val="accent3"/>
+          </a:lnRef>
+          <a:fillRef idx="0">
+            <a:schemeClr val="accent3"/>
+          </a:fillRef>
+          <a:effectRef idx="0">
+            <a:schemeClr val="accent3"/>
+          </a:effectRef>
+          <a:fontRef idx="minor">
+            <a:schemeClr val="tx1"/>
+          </a:fontRef>
+        </p:style>
+      </p:cxnSp>
+    </p:spTree>
+    <p:extLst>
+      <p:ext uri="{BB962C8B-B14F-4D97-AF65-F5344CB8AC3E}">
+        <p14:creationId xmlns:p14="http://schemas.microsoft.com/office/powerpoint/2010/main" val="217114773"/>
       </p:ext>
     </p:extLst>
   </p:cSld>

--- a/assets/diagrams.pptx
+++ b/assets/diagrams.pptx
@@ -264,7 +264,7 @@
           <a:p>
             <a:fld id="{B9DCAE00-9EC7-B94C-AB12-FE2BB94F5C60}" type="datetimeFigureOut">
               <a:rPr lang="en-BR" smtClean="0"/>
-              <a:t>12/03/23</a:t>
+              <a:t>28/03/23</a:t>
             </a:fld>
             <a:endParaRPr lang="en-BR"/>
           </a:p>
@@ -464,7 +464,7 @@
           <a:p>
             <a:fld id="{B9DCAE00-9EC7-B94C-AB12-FE2BB94F5C60}" type="datetimeFigureOut">
               <a:rPr lang="en-BR" smtClean="0"/>
-              <a:t>12/03/23</a:t>
+              <a:t>28/03/23</a:t>
             </a:fld>
             <a:endParaRPr lang="en-BR"/>
           </a:p>
@@ -674,7 +674,7 @@
           <a:p>
             <a:fld id="{B9DCAE00-9EC7-B94C-AB12-FE2BB94F5C60}" type="datetimeFigureOut">
               <a:rPr lang="en-BR" smtClean="0"/>
-              <a:t>12/03/23</a:t>
+              <a:t>28/03/23</a:t>
             </a:fld>
             <a:endParaRPr lang="en-BR"/>
           </a:p>
@@ -874,7 +874,7 @@
           <a:p>
             <a:fld id="{B9DCAE00-9EC7-B94C-AB12-FE2BB94F5C60}" type="datetimeFigureOut">
               <a:rPr lang="en-BR" smtClean="0"/>
-              <a:t>12/03/23</a:t>
+              <a:t>28/03/23</a:t>
             </a:fld>
             <a:endParaRPr lang="en-BR"/>
           </a:p>
@@ -1150,7 +1150,7 @@
           <a:p>
             <a:fld id="{B9DCAE00-9EC7-B94C-AB12-FE2BB94F5C60}" type="datetimeFigureOut">
               <a:rPr lang="en-BR" smtClean="0"/>
-              <a:t>12/03/23</a:t>
+              <a:t>28/03/23</a:t>
             </a:fld>
             <a:endParaRPr lang="en-BR"/>
           </a:p>
@@ -1418,7 +1418,7 @@
           <a:p>
             <a:fld id="{B9DCAE00-9EC7-B94C-AB12-FE2BB94F5C60}" type="datetimeFigureOut">
               <a:rPr lang="en-BR" smtClean="0"/>
-              <a:t>12/03/23</a:t>
+              <a:t>28/03/23</a:t>
             </a:fld>
             <a:endParaRPr lang="en-BR"/>
           </a:p>
@@ -1833,7 +1833,7 @@
           <a:p>
             <a:fld id="{B9DCAE00-9EC7-B94C-AB12-FE2BB94F5C60}" type="datetimeFigureOut">
               <a:rPr lang="en-BR" smtClean="0"/>
-              <a:t>12/03/23</a:t>
+              <a:t>28/03/23</a:t>
             </a:fld>
             <a:endParaRPr lang="en-BR"/>
           </a:p>
@@ -1975,7 +1975,7 @@
           <a:p>
             <a:fld id="{B9DCAE00-9EC7-B94C-AB12-FE2BB94F5C60}" type="datetimeFigureOut">
               <a:rPr lang="en-BR" smtClean="0"/>
-              <a:t>12/03/23</a:t>
+              <a:t>28/03/23</a:t>
             </a:fld>
             <a:endParaRPr lang="en-BR"/>
           </a:p>
@@ -2088,7 +2088,7 @@
           <a:p>
             <a:fld id="{B9DCAE00-9EC7-B94C-AB12-FE2BB94F5C60}" type="datetimeFigureOut">
               <a:rPr lang="en-BR" smtClean="0"/>
-              <a:t>12/03/23</a:t>
+              <a:t>28/03/23</a:t>
             </a:fld>
             <a:endParaRPr lang="en-BR"/>
           </a:p>
@@ -2401,7 +2401,7 @@
           <a:p>
             <a:fld id="{B9DCAE00-9EC7-B94C-AB12-FE2BB94F5C60}" type="datetimeFigureOut">
               <a:rPr lang="en-BR" smtClean="0"/>
-              <a:t>12/03/23</a:t>
+              <a:t>28/03/23</a:t>
             </a:fld>
             <a:endParaRPr lang="en-BR"/>
           </a:p>
@@ -2690,7 +2690,7 @@
           <a:p>
             <a:fld id="{B9DCAE00-9EC7-B94C-AB12-FE2BB94F5C60}" type="datetimeFigureOut">
               <a:rPr lang="en-BR" smtClean="0"/>
-              <a:t>12/03/23</a:t>
+              <a:t>28/03/23</a:t>
             </a:fld>
             <a:endParaRPr lang="en-BR"/>
           </a:p>
@@ -2933,7 +2933,7 @@
           <a:p>
             <a:fld id="{B9DCAE00-9EC7-B94C-AB12-FE2BB94F5C60}" type="datetimeFigureOut">
               <a:rPr lang="en-BR" smtClean="0"/>
-              <a:t>12/03/23</a:t>
+              <a:t>28/03/23</a:t>
             </a:fld>
             <a:endParaRPr lang="en-BR"/>
           </a:p>
@@ -3999,7 +3999,7 @@
             <a:pPr algn="ctr"/>
             <a:r>
               <a:rPr lang="en-BR" dirty="0"/>
-              <a:t>Transformers</a:t>
+              <a:t>LogReg</a:t>
             </a:r>
           </a:p>
         </p:txBody>
@@ -4682,8 +4682,8 @@
           </a:p>
         </p:txBody>
       </p:sp>
-      <mc:AlternateContent xmlns:mc="http://schemas.openxmlformats.org/markup-compatibility/2006">
-        <mc:Choice xmlns:a14="http://schemas.microsoft.com/office/drawing/2010/main" Requires="a14">
+      <mc:AlternateContent xmlns:mc="http://schemas.openxmlformats.org/markup-compatibility/2006" xmlns:a14="http://schemas.microsoft.com/office/drawing/2010/main">
+        <mc:Choice Requires="a14">
           <p:sp>
             <p:nvSpPr>
               <p:cNvPr id="4" name="TextBox 3">
@@ -4712,6 +4712,7 @@
               </a:bodyPr>
               <a:lstStyle/>
               <a:p>
+                <a:pPr/>
                 <a14:m>
                   <m:oMathPara xmlns:m="http://schemas.openxmlformats.org/officeDocument/2006/math">
                     <m:oMathParaPr>
@@ -4803,7 +4804,7 @@
             </p:txBody>
           </p:sp>
         </mc:Choice>
-        <mc:Fallback>
+        <mc:Fallback xmlns="">
           <p:sp>
             <p:nvSpPr>
               <p:cNvPr id="4" name="TextBox 3">
@@ -4894,8 +4895,8 @@
           </a:p>
         </p:txBody>
       </p:sp>
-      <mc:AlternateContent xmlns:mc="http://schemas.openxmlformats.org/markup-compatibility/2006">
-        <mc:Choice xmlns:a14="http://schemas.microsoft.com/office/drawing/2010/main" Requires="a14">
+      <mc:AlternateContent xmlns:mc="http://schemas.openxmlformats.org/markup-compatibility/2006" xmlns:a14="http://schemas.microsoft.com/office/drawing/2010/main">
+        <mc:Choice Requires="a14">
           <p:sp>
             <p:nvSpPr>
               <p:cNvPr id="30" name="TextBox 29">
@@ -4924,6 +4925,7 @@
               </a:bodyPr>
               <a:lstStyle/>
               <a:p>
+                <a:pPr/>
                 <a14:m>
                   <m:oMathPara xmlns:m="http://schemas.openxmlformats.org/officeDocument/2006/math">
                     <m:oMathParaPr>
@@ -4963,7 +4965,7 @@
             </p:txBody>
           </p:sp>
         </mc:Choice>
-        <mc:Fallback>
+        <mc:Fallback xmlns="">
           <p:sp>
             <p:nvSpPr>
               <p:cNvPr id="30" name="TextBox 29">
@@ -5057,8 +5059,8 @@
           </a:p>
         </p:txBody>
       </p:sp>
-      <mc:AlternateContent xmlns:mc="http://schemas.openxmlformats.org/markup-compatibility/2006">
-        <mc:Choice xmlns:a14="http://schemas.microsoft.com/office/drawing/2010/main" Requires="a14">
+      <mc:AlternateContent xmlns:mc="http://schemas.openxmlformats.org/markup-compatibility/2006" xmlns:a14="http://schemas.microsoft.com/office/drawing/2010/main">
+        <mc:Choice Requires="a14">
           <p:sp>
             <p:nvSpPr>
               <p:cNvPr id="34" name="TextBox 33">
@@ -5087,6 +5089,7 @@
               </a:bodyPr>
               <a:lstStyle/>
               <a:p>
+                <a:pPr/>
                 <a14:m>
                   <m:oMathPara xmlns:m="http://schemas.openxmlformats.org/officeDocument/2006/math">
                     <m:oMathParaPr>
@@ -5163,7 +5166,7 @@
             </p:txBody>
           </p:sp>
         </mc:Choice>
-        <mc:Fallback>
+        <mc:Fallback xmlns="">
           <p:sp>
             <p:nvSpPr>
               <p:cNvPr id="34" name="TextBox 33">
@@ -5257,8 +5260,8 @@
           </a:p>
         </p:txBody>
       </p:sp>
-      <mc:AlternateContent xmlns:mc="http://schemas.openxmlformats.org/markup-compatibility/2006">
-        <mc:Choice xmlns:a14="http://schemas.microsoft.com/office/drawing/2010/main" Requires="a14">
+      <mc:AlternateContent xmlns:mc="http://schemas.openxmlformats.org/markup-compatibility/2006" xmlns:a14="http://schemas.microsoft.com/office/drawing/2010/main">
+        <mc:Choice Requires="a14">
           <p:sp>
             <p:nvSpPr>
               <p:cNvPr id="37" name="TextBox 36">
@@ -5287,6 +5290,7 @@
               </a:bodyPr>
               <a:lstStyle/>
               <a:p>
+                <a:pPr/>
                 <a14:m>
                   <m:oMathPara xmlns:m="http://schemas.openxmlformats.org/officeDocument/2006/math">
                     <m:oMathParaPr>
@@ -5369,7 +5373,7 @@
             </p:txBody>
           </p:sp>
         </mc:Choice>
-        <mc:Fallback>
+        <mc:Fallback xmlns="">
           <p:sp>
             <p:nvSpPr>
               <p:cNvPr id="37" name="TextBox 36">
@@ -5414,8 +5418,8 @@
           </p:sp>
         </mc:Fallback>
       </mc:AlternateContent>
-      <mc:AlternateContent xmlns:mc="http://schemas.openxmlformats.org/markup-compatibility/2006">
-        <mc:Choice xmlns:a14="http://schemas.microsoft.com/office/drawing/2010/main" Requires="a14">
+      <mc:AlternateContent xmlns:mc="http://schemas.openxmlformats.org/markup-compatibility/2006" xmlns:a14="http://schemas.microsoft.com/office/drawing/2010/main">
+        <mc:Choice Requires="a14">
           <p:sp>
             <p:nvSpPr>
               <p:cNvPr id="9" name="Oval 8">
@@ -5495,7 +5499,7 @@
             </p:txBody>
           </p:sp>
         </mc:Choice>
-        <mc:Fallback>
+        <mc:Fallback xmlns="">
           <p:sp>
             <p:nvSpPr>
               <p:cNvPr id="9" name="Oval 8">
@@ -5540,8 +5544,8 @@
           </p:sp>
         </mc:Fallback>
       </mc:AlternateContent>
-      <mc:AlternateContent xmlns:mc="http://schemas.openxmlformats.org/markup-compatibility/2006">
-        <mc:Choice xmlns:a14="http://schemas.microsoft.com/office/drawing/2010/main" Requires="a14">
+      <mc:AlternateContent xmlns:mc="http://schemas.openxmlformats.org/markup-compatibility/2006" xmlns:a14="http://schemas.microsoft.com/office/drawing/2010/main">
+        <mc:Choice Requires="a14">
           <p:sp>
             <p:nvSpPr>
               <p:cNvPr id="38" name="Oval 37">
@@ -5621,7 +5625,7 @@
             </p:txBody>
           </p:sp>
         </mc:Choice>
-        <mc:Fallback>
+        <mc:Fallback xmlns="">
           <p:sp>
             <p:nvSpPr>
               <p:cNvPr id="38" name="Oval 37">
@@ -5666,8 +5670,8 @@
           </p:sp>
         </mc:Fallback>
       </mc:AlternateContent>
-      <mc:AlternateContent xmlns:mc="http://schemas.openxmlformats.org/markup-compatibility/2006">
-        <mc:Choice xmlns:a14="http://schemas.microsoft.com/office/drawing/2010/main" Requires="a14">
+      <mc:AlternateContent xmlns:mc="http://schemas.openxmlformats.org/markup-compatibility/2006" xmlns:a14="http://schemas.microsoft.com/office/drawing/2010/main">
+        <mc:Choice Requires="a14">
           <p:sp>
             <p:nvSpPr>
               <p:cNvPr id="39" name="Oval 38">
@@ -5747,7 +5751,7 @@
             </p:txBody>
           </p:sp>
         </mc:Choice>
-        <mc:Fallback>
+        <mc:Fallback xmlns="">
           <p:sp>
             <p:nvSpPr>
               <p:cNvPr id="39" name="Oval 38">
@@ -5792,8 +5796,8 @@
           </p:sp>
         </mc:Fallback>
       </mc:AlternateContent>
-      <mc:AlternateContent xmlns:mc="http://schemas.openxmlformats.org/markup-compatibility/2006">
-        <mc:Choice xmlns:a14="http://schemas.microsoft.com/office/drawing/2010/main" Requires="a14">
+      <mc:AlternateContent xmlns:mc="http://schemas.openxmlformats.org/markup-compatibility/2006" xmlns:a14="http://schemas.microsoft.com/office/drawing/2010/main">
+        <mc:Choice Requires="a14">
           <p:sp>
             <p:nvSpPr>
               <p:cNvPr id="40" name="Oval 39">
@@ -5873,7 +5877,7 @@
             </p:txBody>
           </p:sp>
         </mc:Choice>
-        <mc:Fallback>
+        <mc:Fallback xmlns="">
           <p:sp>
             <p:nvSpPr>
               <p:cNvPr id="40" name="Oval 39">
@@ -5918,8 +5922,8 @@
           </p:sp>
         </mc:Fallback>
       </mc:AlternateContent>
-      <mc:AlternateContent xmlns:mc="http://schemas.openxmlformats.org/markup-compatibility/2006">
-        <mc:Choice xmlns:a14="http://schemas.microsoft.com/office/drawing/2010/main" Requires="a14">
+      <mc:AlternateContent xmlns:mc="http://schemas.openxmlformats.org/markup-compatibility/2006" xmlns:a14="http://schemas.microsoft.com/office/drawing/2010/main">
+        <mc:Choice Requires="a14">
           <p:sp>
             <p:nvSpPr>
               <p:cNvPr id="41" name="Oval 40">
@@ -6011,7 +6015,7 @@
             </p:txBody>
           </p:sp>
         </mc:Choice>
-        <mc:Fallback>
+        <mc:Fallback xmlns="">
           <p:sp>
             <p:nvSpPr>
               <p:cNvPr id="41" name="Oval 40">

--- a/assets/diagrams.pptx
+++ b/assets/diagrams.pptx
@@ -264,7 +264,7 @@
           <a:p>
             <a:fld id="{B9DCAE00-9EC7-B94C-AB12-FE2BB94F5C60}" type="datetimeFigureOut">
               <a:rPr lang="en-BR" smtClean="0"/>
-              <a:t>28/03/23</a:t>
+              <a:t>08/05/23</a:t>
             </a:fld>
             <a:endParaRPr lang="en-BR"/>
           </a:p>
@@ -464,7 +464,7 @@
           <a:p>
             <a:fld id="{B9DCAE00-9EC7-B94C-AB12-FE2BB94F5C60}" type="datetimeFigureOut">
               <a:rPr lang="en-BR" smtClean="0"/>
-              <a:t>28/03/23</a:t>
+              <a:t>08/05/23</a:t>
             </a:fld>
             <a:endParaRPr lang="en-BR"/>
           </a:p>
@@ -674,7 +674,7 @@
           <a:p>
             <a:fld id="{B9DCAE00-9EC7-B94C-AB12-FE2BB94F5C60}" type="datetimeFigureOut">
               <a:rPr lang="en-BR" smtClean="0"/>
-              <a:t>28/03/23</a:t>
+              <a:t>08/05/23</a:t>
             </a:fld>
             <a:endParaRPr lang="en-BR"/>
           </a:p>
@@ -874,7 +874,7 @@
           <a:p>
             <a:fld id="{B9DCAE00-9EC7-B94C-AB12-FE2BB94F5C60}" type="datetimeFigureOut">
               <a:rPr lang="en-BR" smtClean="0"/>
-              <a:t>28/03/23</a:t>
+              <a:t>08/05/23</a:t>
             </a:fld>
             <a:endParaRPr lang="en-BR"/>
           </a:p>
@@ -1150,7 +1150,7 @@
           <a:p>
             <a:fld id="{B9DCAE00-9EC7-B94C-AB12-FE2BB94F5C60}" type="datetimeFigureOut">
               <a:rPr lang="en-BR" smtClean="0"/>
-              <a:t>28/03/23</a:t>
+              <a:t>08/05/23</a:t>
             </a:fld>
             <a:endParaRPr lang="en-BR"/>
           </a:p>
@@ -1418,7 +1418,7 @@
           <a:p>
             <a:fld id="{B9DCAE00-9EC7-B94C-AB12-FE2BB94F5C60}" type="datetimeFigureOut">
               <a:rPr lang="en-BR" smtClean="0"/>
-              <a:t>28/03/23</a:t>
+              <a:t>08/05/23</a:t>
             </a:fld>
             <a:endParaRPr lang="en-BR"/>
           </a:p>
@@ -1833,7 +1833,7 @@
           <a:p>
             <a:fld id="{B9DCAE00-9EC7-B94C-AB12-FE2BB94F5C60}" type="datetimeFigureOut">
               <a:rPr lang="en-BR" smtClean="0"/>
-              <a:t>28/03/23</a:t>
+              <a:t>08/05/23</a:t>
             </a:fld>
             <a:endParaRPr lang="en-BR"/>
           </a:p>
@@ -1975,7 +1975,7 @@
           <a:p>
             <a:fld id="{B9DCAE00-9EC7-B94C-AB12-FE2BB94F5C60}" type="datetimeFigureOut">
               <a:rPr lang="en-BR" smtClean="0"/>
-              <a:t>28/03/23</a:t>
+              <a:t>08/05/23</a:t>
             </a:fld>
             <a:endParaRPr lang="en-BR"/>
           </a:p>
@@ -2088,7 +2088,7 @@
           <a:p>
             <a:fld id="{B9DCAE00-9EC7-B94C-AB12-FE2BB94F5C60}" type="datetimeFigureOut">
               <a:rPr lang="en-BR" smtClean="0"/>
-              <a:t>28/03/23</a:t>
+              <a:t>08/05/23</a:t>
             </a:fld>
             <a:endParaRPr lang="en-BR"/>
           </a:p>
@@ -2401,7 +2401,7 @@
           <a:p>
             <a:fld id="{B9DCAE00-9EC7-B94C-AB12-FE2BB94F5C60}" type="datetimeFigureOut">
               <a:rPr lang="en-BR" smtClean="0"/>
-              <a:t>28/03/23</a:t>
+              <a:t>08/05/23</a:t>
             </a:fld>
             <a:endParaRPr lang="en-BR"/>
           </a:p>
@@ -2690,7 +2690,7 @@
           <a:p>
             <a:fld id="{B9DCAE00-9EC7-B94C-AB12-FE2BB94F5C60}" type="datetimeFigureOut">
               <a:rPr lang="en-BR" smtClean="0"/>
-              <a:t>28/03/23</a:t>
+              <a:t>08/05/23</a:t>
             </a:fld>
             <a:endParaRPr lang="en-BR"/>
           </a:p>
@@ -2933,7 +2933,7 @@
           <a:p>
             <a:fld id="{B9DCAE00-9EC7-B94C-AB12-FE2BB94F5C60}" type="datetimeFigureOut">
               <a:rPr lang="en-BR" smtClean="0"/>
-              <a:t>28/03/23</a:t>
+              <a:t>08/05/23</a:t>
             </a:fld>
             <a:endParaRPr lang="en-BR"/>
           </a:p>
@@ -4193,7 +4193,7 @@
         </p:nvSpPr>
         <p:spPr>
           <a:xfrm>
-            <a:off x="9272163" y="2939121"/>
+            <a:off x="9675924" y="2363933"/>
             <a:ext cx="1229591" cy="477982"/>
           </a:xfrm>
           <a:prstGeom prst="roundRect">
@@ -4243,9 +4243,9 @@
           <p:nvPr/>
         </p:nvCxnSpPr>
         <p:spPr>
-          <a:xfrm>
-            <a:off x="8849587" y="3178112"/>
-            <a:ext cx="422576" cy="0"/>
+          <a:xfrm flipV="1">
+            <a:off x="8849587" y="2602924"/>
+            <a:ext cx="826337" cy="575188"/>
           </a:xfrm>
           <a:prstGeom prst="straightConnector1">
             <a:avLst/>
@@ -4469,7 +4469,7 @@
         </p:nvSpPr>
         <p:spPr>
           <a:xfrm>
-            <a:off x="10924330" y="2945070"/>
+            <a:off x="9675923" y="3413412"/>
             <a:ext cx="1229592" cy="477982"/>
           </a:xfrm>
           <a:prstGeom prst="roundRect">
@@ -4504,24 +4504,24 @@
       </p:sp>
       <p:cxnSp>
         <p:nvCxnSpPr>
-          <p:cNvPr id="32" name="Straight Arrow Connector 31">
-            <a:extLst>
-              <a:ext uri="{FF2B5EF4-FFF2-40B4-BE49-F238E27FC236}">
-                <a16:creationId xmlns:a16="http://schemas.microsoft.com/office/drawing/2014/main" id="{F933065B-07AA-843D-4E33-F5EE2494F21F}"/>
+          <p:cNvPr id="9" name="Straight Arrow Connector 8">
+            <a:extLst>
+              <a:ext uri="{FF2B5EF4-FFF2-40B4-BE49-F238E27FC236}">
+                <a16:creationId xmlns:a16="http://schemas.microsoft.com/office/drawing/2014/main" id="{916B4D06-73BA-27EA-0884-F281E2252E9C}"/>
               </a:ext>
             </a:extLst>
           </p:cNvPr>
           <p:cNvCxnSpPr>
             <a:cxnSpLocks/>
-            <a:stCxn id="33" idx="3"/>
+            <a:stCxn id="19" idx="3"/>
             <a:endCxn id="25" idx="1"/>
           </p:cNvCxnSpPr>
           <p:nvPr/>
         </p:nvCxnSpPr>
         <p:spPr>
           <a:xfrm>
-            <a:off x="10501754" y="3178112"/>
-            <a:ext cx="422576" cy="5949"/>
+            <a:off x="8849587" y="3178112"/>
+            <a:ext cx="826336" cy="474291"/>
           </a:xfrm>
           <a:prstGeom prst="straightConnector1">
             <a:avLst/>
